--- a/slide_deck/final-project-presentation.pptx
+++ b/slide_deck/final-project-presentation.pptx
@@ -16,7 +16,7 @@
     <p:sldId id="268" r:id="rId7"/>
     <p:sldId id="270" r:id="rId8"/>
     <p:sldId id="266" r:id="rId9"/>
-    <p:sldId id="273" r:id="rId10"/>
+    <p:sldId id="277" r:id="rId10"/>
     <p:sldId id="276" r:id="rId11"/>
     <p:sldId id="271" r:id="rId12"/>
     <p:sldId id="272" r:id="rId13"/>
@@ -140,1864 +140,6 @@
     </p:ext>
   </p:extLst>
 </p:presentation>
-</file>
-
-<file path=ppt/charts/chart1.xml><?xml version="1.0" encoding="utf-8"?>
-<c:chartSpace xmlns:c="http://schemas.openxmlformats.org/drawingml/2006/chart" xmlns:a="http://schemas.openxmlformats.org/drawingml/2006/main" xmlns:r="http://schemas.openxmlformats.org/officeDocument/2006/relationships" xmlns:c16r2="http://schemas.microsoft.com/office/drawing/2015/06/chart">
-  <c:date1904 val="0"/>
-  <c:lang val="en-US"/>
-  <c:roundedCorners val="0"/>
-  <mc:AlternateContent xmlns:mc="http://schemas.openxmlformats.org/markup-compatibility/2006">
-    <mc:Choice xmlns:c14="http://schemas.microsoft.com/office/drawing/2007/8/2/chart" Requires="c14">
-      <c14:style val="102"/>
-    </mc:Choice>
-    <mc:Fallback>
-      <c:style val="2"/>
-    </mc:Fallback>
-  </mc:AlternateContent>
-  <c:chart>
-    <c:title>
-      <c:tx>
-        <c:rich>
-          <a:bodyPr rot="0" spcFirstLastPara="1" vertOverflow="ellipsis" vert="horz" wrap="square" anchor="ctr" anchorCtr="1"/>
-          <a:lstStyle/>
-          <a:p>
-            <a:pPr>
-              <a:defRPr sz="1862" b="0" i="0" u="none" strike="noStrike" kern="1200" spc="0" baseline="0">
-                <a:solidFill>
-                  <a:schemeClr val="tx1">
-                    <a:lumMod val="65000"/>
-                    <a:lumOff val="35000"/>
-                  </a:schemeClr>
-                </a:solidFill>
-                <a:latin typeface="+mn-lt"/>
-                <a:ea typeface="+mn-ea"/>
-                <a:cs typeface="+mn-cs"/>
-              </a:defRPr>
-            </a:pPr>
-            <a:r>
-              <a:rPr lang="en-IN" dirty="0"/>
-              <a:t>Statistics here</a:t>
-            </a:r>
-          </a:p>
-        </c:rich>
-      </c:tx>
-      <c:overlay val="0"/>
-      <c:spPr>
-        <a:noFill/>
-        <a:ln>
-          <a:noFill/>
-        </a:ln>
-        <a:effectLst/>
-      </c:spPr>
-      <c:txPr>
-        <a:bodyPr rot="0" spcFirstLastPara="1" vertOverflow="ellipsis" vert="horz" wrap="square" anchor="ctr" anchorCtr="1"/>
-        <a:lstStyle/>
-        <a:p>
-          <a:pPr>
-            <a:defRPr sz="1862" b="0" i="0" u="none" strike="noStrike" kern="1200" spc="0" baseline="0">
-              <a:solidFill>
-                <a:schemeClr val="tx1">
-                  <a:lumMod val="65000"/>
-                  <a:lumOff val="35000"/>
-                </a:schemeClr>
-              </a:solidFill>
-              <a:latin typeface="+mn-lt"/>
-              <a:ea typeface="+mn-ea"/>
-              <a:cs typeface="+mn-cs"/>
-            </a:defRPr>
-          </a:pPr>
-          <a:endParaRPr lang="en-US"/>
-        </a:p>
-      </c:txPr>
-    </c:title>
-    <c:autoTitleDeleted val="0"/>
-    <c:plotArea>
-      <c:layout/>
-      <c:barChart>
-        <c:barDir val="col"/>
-        <c:grouping val="clustered"/>
-        <c:varyColors val="0"/>
-        <c:ser>
-          <c:idx val="0"/>
-          <c:order val="0"/>
-          <c:tx>
-            <c:strRef>
-              <c:f>Sheet1!$B$1</c:f>
-              <c:strCache>
-                <c:ptCount val="1"/>
-                <c:pt idx="0">
-                  <c:v>Series 1</c:v>
-                </c:pt>
-              </c:strCache>
-            </c:strRef>
-          </c:tx>
-          <c:spPr>
-            <a:solidFill>
-              <a:schemeClr val="accent1"/>
-            </a:solidFill>
-            <a:ln>
-              <a:noFill/>
-            </a:ln>
-            <a:effectLst/>
-          </c:spPr>
-          <c:invertIfNegative val="0"/>
-          <c:cat>
-            <c:strRef>
-              <c:f>Sheet1!$A$2:$A$5</c:f>
-              <c:strCache>
-                <c:ptCount val="4"/>
-                <c:pt idx="0">
-                  <c:v>Category 1</c:v>
-                </c:pt>
-                <c:pt idx="1">
-                  <c:v>Category 2</c:v>
-                </c:pt>
-                <c:pt idx="2">
-                  <c:v>Category 3</c:v>
-                </c:pt>
-                <c:pt idx="3">
-                  <c:v>Category 4</c:v>
-                </c:pt>
-              </c:strCache>
-            </c:strRef>
-          </c:cat>
-          <c:val>
-            <c:numRef>
-              <c:f>Sheet1!$B$2:$B$5</c:f>
-              <c:numCache>
-                <c:formatCode>General</c:formatCode>
-                <c:ptCount val="4"/>
-                <c:pt idx="0">
-                  <c:v>4.3</c:v>
-                </c:pt>
-                <c:pt idx="1">
-                  <c:v>2.5</c:v>
-                </c:pt>
-                <c:pt idx="2">
-                  <c:v>3.5</c:v>
-                </c:pt>
-                <c:pt idx="3">
-                  <c:v>4.5</c:v>
-                </c:pt>
-              </c:numCache>
-            </c:numRef>
-          </c:val>
-          <c:extLst>
-            <c:ext xmlns:c16="http://schemas.microsoft.com/office/drawing/2014/chart" uri="{C3380CC4-5D6E-409C-BE32-E72D297353CC}">
-              <c16:uniqueId val="{00000000-9EC9-4D45-A079-9DF887D3CF8F}"/>
-            </c:ext>
-          </c:extLst>
-        </c:ser>
-        <c:ser>
-          <c:idx val="1"/>
-          <c:order val="1"/>
-          <c:tx>
-            <c:strRef>
-              <c:f>Sheet1!$C$1</c:f>
-              <c:strCache>
-                <c:ptCount val="1"/>
-                <c:pt idx="0">
-                  <c:v>Series 2</c:v>
-                </c:pt>
-              </c:strCache>
-            </c:strRef>
-          </c:tx>
-          <c:spPr>
-            <a:solidFill>
-              <a:schemeClr val="accent2"/>
-            </a:solidFill>
-            <a:ln>
-              <a:noFill/>
-            </a:ln>
-            <a:effectLst/>
-          </c:spPr>
-          <c:invertIfNegative val="0"/>
-          <c:cat>
-            <c:strRef>
-              <c:f>Sheet1!$A$2:$A$5</c:f>
-              <c:strCache>
-                <c:ptCount val="4"/>
-                <c:pt idx="0">
-                  <c:v>Category 1</c:v>
-                </c:pt>
-                <c:pt idx="1">
-                  <c:v>Category 2</c:v>
-                </c:pt>
-                <c:pt idx="2">
-                  <c:v>Category 3</c:v>
-                </c:pt>
-                <c:pt idx="3">
-                  <c:v>Category 4</c:v>
-                </c:pt>
-              </c:strCache>
-            </c:strRef>
-          </c:cat>
-          <c:val>
-            <c:numRef>
-              <c:f>Sheet1!$C$2:$C$5</c:f>
-              <c:numCache>
-                <c:formatCode>General</c:formatCode>
-                <c:ptCount val="4"/>
-                <c:pt idx="0">
-                  <c:v>2.4</c:v>
-                </c:pt>
-                <c:pt idx="1">
-                  <c:v>4.4000000000000004</c:v>
-                </c:pt>
-                <c:pt idx="2">
-                  <c:v>1.8</c:v>
-                </c:pt>
-                <c:pt idx="3">
-                  <c:v>2.8</c:v>
-                </c:pt>
-              </c:numCache>
-            </c:numRef>
-          </c:val>
-          <c:extLst>
-            <c:ext xmlns:c16="http://schemas.microsoft.com/office/drawing/2014/chart" uri="{C3380CC4-5D6E-409C-BE32-E72D297353CC}">
-              <c16:uniqueId val="{00000001-9EC9-4D45-A079-9DF887D3CF8F}"/>
-            </c:ext>
-          </c:extLst>
-        </c:ser>
-        <c:ser>
-          <c:idx val="2"/>
-          <c:order val="2"/>
-          <c:tx>
-            <c:strRef>
-              <c:f>Sheet1!$D$1</c:f>
-              <c:strCache>
-                <c:ptCount val="1"/>
-                <c:pt idx="0">
-                  <c:v>Series 3</c:v>
-                </c:pt>
-              </c:strCache>
-            </c:strRef>
-          </c:tx>
-          <c:spPr>
-            <a:solidFill>
-              <a:schemeClr val="accent3"/>
-            </a:solidFill>
-            <a:ln>
-              <a:noFill/>
-            </a:ln>
-            <a:effectLst/>
-          </c:spPr>
-          <c:invertIfNegative val="0"/>
-          <c:cat>
-            <c:strRef>
-              <c:f>Sheet1!$A$2:$A$5</c:f>
-              <c:strCache>
-                <c:ptCount val="4"/>
-                <c:pt idx="0">
-                  <c:v>Category 1</c:v>
-                </c:pt>
-                <c:pt idx="1">
-                  <c:v>Category 2</c:v>
-                </c:pt>
-                <c:pt idx="2">
-                  <c:v>Category 3</c:v>
-                </c:pt>
-                <c:pt idx="3">
-                  <c:v>Category 4</c:v>
-                </c:pt>
-              </c:strCache>
-            </c:strRef>
-          </c:cat>
-          <c:val>
-            <c:numRef>
-              <c:f>Sheet1!$D$2:$D$5</c:f>
-              <c:numCache>
-                <c:formatCode>General</c:formatCode>
-                <c:ptCount val="4"/>
-                <c:pt idx="0">
-                  <c:v>2</c:v>
-                </c:pt>
-                <c:pt idx="1">
-                  <c:v>2</c:v>
-                </c:pt>
-                <c:pt idx="2">
-                  <c:v>3</c:v>
-                </c:pt>
-                <c:pt idx="3">
-                  <c:v>5</c:v>
-                </c:pt>
-              </c:numCache>
-            </c:numRef>
-          </c:val>
-          <c:extLst>
-            <c:ext xmlns:c16="http://schemas.microsoft.com/office/drawing/2014/chart" uri="{C3380CC4-5D6E-409C-BE32-E72D297353CC}">
-              <c16:uniqueId val="{00000002-9EC9-4D45-A079-9DF887D3CF8F}"/>
-            </c:ext>
-          </c:extLst>
-        </c:ser>
-        <c:dLbls>
-          <c:showLegendKey val="0"/>
-          <c:showVal val="0"/>
-          <c:showCatName val="0"/>
-          <c:showSerName val="0"/>
-          <c:showPercent val="0"/>
-          <c:showBubbleSize val="0"/>
-        </c:dLbls>
-        <c:gapWidth val="219"/>
-        <c:overlap val="-27"/>
-        <c:axId val="562004432"/>
-        <c:axId val="562004112"/>
-      </c:barChart>
-      <c:catAx>
-        <c:axId val="562004432"/>
-        <c:scaling>
-          <c:orientation val="minMax"/>
-        </c:scaling>
-        <c:delete val="0"/>
-        <c:axPos val="b"/>
-        <c:numFmt formatCode="General" sourceLinked="1"/>
-        <c:majorTickMark val="none"/>
-        <c:minorTickMark val="none"/>
-        <c:tickLblPos val="nextTo"/>
-        <c:spPr>
-          <a:noFill/>
-          <a:ln w="9525" cap="flat" cmpd="sng" algn="ctr">
-            <a:solidFill>
-              <a:schemeClr val="tx1">
-                <a:lumMod val="15000"/>
-                <a:lumOff val="85000"/>
-              </a:schemeClr>
-            </a:solidFill>
-            <a:round/>
-          </a:ln>
-          <a:effectLst/>
-        </c:spPr>
-        <c:txPr>
-          <a:bodyPr rot="-60000000" spcFirstLastPara="1" vertOverflow="ellipsis" vert="horz" wrap="square" anchor="ctr" anchorCtr="1"/>
-          <a:lstStyle/>
-          <a:p>
-            <a:pPr>
-              <a:defRPr sz="1197" b="0" i="0" u="none" strike="noStrike" kern="1200" baseline="0">
-                <a:solidFill>
-                  <a:schemeClr val="tx1">
-                    <a:lumMod val="65000"/>
-                    <a:lumOff val="35000"/>
-                  </a:schemeClr>
-                </a:solidFill>
-                <a:latin typeface="+mn-lt"/>
-                <a:ea typeface="+mn-ea"/>
-                <a:cs typeface="+mn-cs"/>
-              </a:defRPr>
-            </a:pPr>
-            <a:endParaRPr lang="en-US"/>
-          </a:p>
-        </c:txPr>
-        <c:crossAx val="562004112"/>
-        <c:crosses val="autoZero"/>
-        <c:auto val="1"/>
-        <c:lblAlgn val="ctr"/>
-        <c:lblOffset val="100"/>
-        <c:noMultiLvlLbl val="0"/>
-      </c:catAx>
-      <c:valAx>
-        <c:axId val="562004112"/>
-        <c:scaling>
-          <c:orientation val="minMax"/>
-        </c:scaling>
-        <c:delete val="0"/>
-        <c:axPos val="l"/>
-        <c:majorGridlines>
-          <c:spPr>
-            <a:ln w="9525" cap="flat" cmpd="sng" algn="ctr">
-              <a:solidFill>
-                <a:schemeClr val="tx1">
-                  <a:lumMod val="15000"/>
-                  <a:lumOff val="85000"/>
-                </a:schemeClr>
-              </a:solidFill>
-              <a:round/>
-            </a:ln>
-            <a:effectLst/>
-          </c:spPr>
-        </c:majorGridlines>
-        <c:numFmt formatCode="General" sourceLinked="1"/>
-        <c:majorTickMark val="none"/>
-        <c:minorTickMark val="none"/>
-        <c:tickLblPos val="nextTo"/>
-        <c:spPr>
-          <a:noFill/>
-          <a:ln>
-            <a:noFill/>
-          </a:ln>
-          <a:effectLst/>
-        </c:spPr>
-        <c:txPr>
-          <a:bodyPr rot="-60000000" spcFirstLastPara="1" vertOverflow="ellipsis" vert="horz" wrap="square" anchor="ctr" anchorCtr="1"/>
-          <a:lstStyle/>
-          <a:p>
-            <a:pPr>
-              <a:defRPr sz="1197" b="0" i="0" u="none" strike="noStrike" kern="1200" baseline="0">
-                <a:solidFill>
-                  <a:schemeClr val="tx1">
-                    <a:lumMod val="65000"/>
-                    <a:lumOff val="35000"/>
-                  </a:schemeClr>
-                </a:solidFill>
-                <a:latin typeface="+mn-lt"/>
-                <a:ea typeface="+mn-ea"/>
-                <a:cs typeface="+mn-cs"/>
-              </a:defRPr>
-            </a:pPr>
-            <a:endParaRPr lang="en-US"/>
-          </a:p>
-        </c:txPr>
-        <c:crossAx val="562004432"/>
-        <c:crosses val="autoZero"/>
-        <c:crossBetween val="between"/>
-      </c:valAx>
-      <c:spPr>
-        <a:noFill/>
-        <a:ln>
-          <a:noFill/>
-        </a:ln>
-        <a:effectLst/>
-      </c:spPr>
-    </c:plotArea>
-    <c:legend>
-      <c:legendPos val="b"/>
-      <c:overlay val="0"/>
-      <c:spPr>
-        <a:noFill/>
-        <a:ln>
-          <a:noFill/>
-        </a:ln>
-        <a:effectLst/>
-      </c:spPr>
-      <c:txPr>
-        <a:bodyPr rot="0" spcFirstLastPara="1" vertOverflow="ellipsis" vert="horz" wrap="square" anchor="ctr" anchorCtr="1"/>
-        <a:lstStyle/>
-        <a:p>
-          <a:pPr>
-            <a:defRPr sz="1197" b="0" i="0" u="none" strike="noStrike" kern="1200" baseline="0">
-              <a:solidFill>
-                <a:schemeClr val="tx1">
-                  <a:lumMod val="65000"/>
-                  <a:lumOff val="35000"/>
-                </a:schemeClr>
-              </a:solidFill>
-              <a:latin typeface="+mn-lt"/>
-              <a:ea typeface="+mn-ea"/>
-              <a:cs typeface="+mn-cs"/>
-            </a:defRPr>
-          </a:pPr>
-          <a:endParaRPr lang="en-US"/>
-        </a:p>
-      </c:txPr>
-    </c:legend>
-    <c:plotVisOnly val="1"/>
-    <c:dispBlanksAs val="gap"/>
-    <c:extLst>
-      <c:ext xmlns:c16r3="http://schemas.microsoft.com/office/drawing/2017/03/chart" uri="{56B9EC1D-385E-4148-901F-78D8002777C0}">
-        <c16r3:dataDisplayOptions16>
-          <c16r3:dispNaAsBlank val="1"/>
-        </c16r3:dataDisplayOptions16>
-      </c:ext>
-    </c:extLst>
-    <c:showDLblsOverMax val="0"/>
-  </c:chart>
-  <c:spPr>
-    <a:noFill/>
-    <a:ln>
-      <a:noFill/>
-    </a:ln>
-    <a:effectLst/>
-  </c:spPr>
-  <c:txPr>
-    <a:bodyPr/>
-    <a:lstStyle/>
-    <a:p>
-      <a:pPr>
-        <a:defRPr/>
-      </a:pPr>
-      <a:endParaRPr lang="en-US"/>
-    </a:p>
-  </c:txPr>
-  <c:externalData r:id="rId3">
-    <c:autoUpdate val="0"/>
-  </c:externalData>
-</c:chartSpace>
-</file>
-
-<file path=ppt/charts/chart2.xml><?xml version="1.0" encoding="utf-8"?>
-<c:chartSpace xmlns:c="http://schemas.openxmlformats.org/drawingml/2006/chart" xmlns:a="http://schemas.openxmlformats.org/drawingml/2006/main" xmlns:r="http://schemas.openxmlformats.org/officeDocument/2006/relationships" xmlns:c16r2="http://schemas.microsoft.com/office/drawing/2015/06/chart">
-  <c:date1904 val="0"/>
-  <c:lang val="en-US"/>
-  <c:roundedCorners val="0"/>
-  <mc:AlternateContent xmlns:mc="http://schemas.openxmlformats.org/markup-compatibility/2006">
-    <mc:Choice xmlns:c14="http://schemas.microsoft.com/office/drawing/2007/8/2/chart" Requires="c14">
-      <c14:style val="102"/>
-    </mc:Choice>
-    <mc:Fallback>
-      <c:style val="2"/>
-    </mc:Fallback>
-  </mc:AlternateContent>
-  <c:chart>
-    <c:title>
-      <c:overlay val="0"/>
-      <c:spPr>
-        <a:noFill/>
-        <a:ln>
-          <a:noFill/>
-        </a:ln>
-        <a:effectLst/>
-      </c:spPr>
-      <c:txPr>
-        <a:bodyPr rot="0" spcFirstLastPara="1" vertOverflow="ellipsis" vert="horz" wrap="square" anchor="ctr" anchorCtr="1"/>
-        <a:lstStyle/>
-        <a:p>
-          <a:pPr>
-            <a:defRPr sz="1862" b="0" i="0" u="none" strike="noStrike" kern="1200" spc="0" baseline="0">
-              <a:solidFill>
-                <a:schemeClr val="tx1">
-                  <a:lumMod val="65000"/>
-                  <a:lumOff val="35000"/>
-                </a:schemeClr>
-              </a:solidFill>
-              <a:latin typeface="+mn-lt"/>
-              <a:ea typeface="+mn-ea"/>
-              <a:cs typeface="+mn-cs"/>
-            </a:defRPr>
-          </a:pPr>
-          <a:endParaRPr lang="en-US"/>
-        </a:p>
-      </c:txPr>
-    </c:title>
-    <c:autoTitleDeleted val="0"/>
-    <c:plotArea>
-      <c:layout/>
-      <c:pieChart>
-        <c:varyColors val="1"/>
-        <c:ser>
-          <c:idx val="0"/>
-          <c:order val="0"/>
-          <c:tx>
-            <c:strRef>
-              <c:f>Sheet1!$B$1</c:f>
-              <c:strCache>
-                <c:ptCount val="1"/>
-                <c:pt idx="0">
-                  <c:v>Sales</c:v>
-                </c:pt>
-              </c:strCache>
-            </c:strRef>
-          </c:tx>
-          <c:dPt>
-            <c:idx val="0"/>
-            <c:bubble3D val="0"/>
-            <c:spPr>
-              <a:solidFill>
-                <a:schemeClr val="accent1"/>
-              </a:solidFill>
-              <a:ln w="19050">
-                <a:solidFill>
-                  <a:schemeClr val="lt1"/>
-                </a:solidFill>
-              </a:ln>
-              <a:effectLst/>
-            </c:spPr>
-            <c:extLst>
-              <c:ext xmlns:c16="http://schemas.microsoft.com/office/drawing/2014/chart" uri="{C3380CC4-5D6E-409C-BE32-E72D297353CC}">
-                <c16:uniqueId val="{00000001-ABE8-154A-9681-C6C3C60B7B55}"/>
-              </c:ext>
-            </c:extLst>
-          </c:dPt>
-          <c:dPt>
-            <c:idx val="1"/>
-            <c:bubble3D val="0"/>
-            <c:spPr>
-              <a:solidFill>
-                <a:schemeClr val="accent2"/>
-              </a:solidFill>
-              <a:ln w="19050">
-                <a:solidFill>
-                  <a:schemeClr val="lt1"/>
-                </a:solidFill>
-              </a:ln>
-              <a:effectLst/>
-            </c:spPr>
-            <c:extLst>
-              <c:ext xmlns:c16="http://schemas.microsoft.com/office/drawing/2014/chart" uri="{C3380CC4-5D6E-409C-BE32-E72D297353CC}">
-                <c16:uniqueId val="{00000003-ABE8-154A-9681-C6C3C60B7B55}"/>
-              </c:ext>
-            </c:extLst>
-          </c:dPt>
-          <c:dPt>
-            <c:idx val="2"/>
-            <c:bubble3D val="0"/>
-            <c:spPr>
-              <a:solidFill>
-                <a:schemeClr val="accent3"/>
-              </a:solidFill>
-              <a:ln w="19050">
-                <a:solidFill>
-                  <a:schemeClr val="lt1"/>
-                </a:solidFill>
-              </a:ln>
-              <a:effectLst/>
-            </c:spPr>
-            <c:extLst>
-              <c:ext xmlns:c16="http://schemas.microsoft.com/office/drawing/2014/chart" uri="{C3380CC4-5D6E-409C-BE32-E72D297353CC}">
-                <c16:uniqueId val="{00000005-ABE8-154A-9681-C6C3C60B7B55}"/>
-              </c:ext>
-            </c:extLst>
-          </c:dPt>
-          <c:dPt>
-            <c:idx val="3"/>
-            <c:bubble3D val="0"/>
-            <c:spPr>
-              <a:solidFill>
-                <a:schemeClr val="accent4"/>
-              </a:solidFill>
-              <a:ln w="19050">
-                <a:solidFill>
-                  <a:schemeClr val="lt1"/>
-                </a:solidFill>
-              </a:ln>
-              <a:effectLst/>
-            </c:spPr>
-            <c:extLst>
-              <c:ext xmlns:c16="http://schemas.microsoft.com/office/drawing/2014/chart" uri="{C3380CC4-5D6E-409C-BE32-E72D297353CC}">
-                <c16:uniqueId val="{00000007-ABE8-154A-9681-C6C3C60B7B55}"/>
-              </c:ext>
-            </c:extLst>
-          </c:dPt>
-          <c:cat>
-            <c:strRef>
-              <c:f>Sheet1!$A$2:$A$5</c:f>
-              <c:strCache>
-                <c:ptCount val="4"/>
-                <c:pt idx="0">
-                  <c:v>1st Qtr</c:v>
-                </c:pt>
-                <c:pt idx="1">
-                  <c:v>2nd Qtr</c:v>
-                </c:pt>
-                <c:pt idx="2">
-                  <c:v>3rd Qtr</c:v>
-                </c:pt>
-                <c:pt idx="3">
-                  <c:v>4th Qtr</c:v>
-                </c:pt>
-              </c:strCache>
-            </c:strRef>
-          </c:cat>
-          <c:val>
-            <c:numRef>
-              <c:f>Sheet1!$B$2:$B$5</c:f>
-              <c:numCache>
-                <c:formatCode>General</c:formatCode>
-                <c:ptCount val="4"/>
-                <c:pt idx="0">
-                  <c:v>8.1999999999999993</c:v>
-                </c:pt>
-                <c:pt idx="1">
-                  <c:v>3.2</c:v>
-                </c:pt>
-                <c:pt idx="2">
-                  <c:v>1.4</c:v>
-                </c:pt>
-                <c:pt idx="3">
-                  <c:v>1.2</c:v>
-                </c:pt>
-              </c:numCache>
-            </c:numRef>
-          </c:val>
-          <c:extLst>
-            <c:ext xmlns:c16="http://schemas.microsoft.com/office/drawing/2014/chart" uri="{C3380CC4-5D6E-409C-BE32-E72D297353CC}">
-              <c16:uniqueId val="{00000000-E273-484D-BAD2-07E653310902}"/>
-            </c:ext>
-          </c:extLst>
-        </c:ser>
-        <c:dLbls>
-          <c:showLegendKey val="0"/>
-          <c:showVal val="0"/>
-          <c:showCatName val="0"/>
-          <c:showSerName val="0"/>
-          <c:showPercent val="0"/>
-          <c:showBubbleSize val="0"/>
-          <c:showLeaderLines val="1"/>
-        </c:dLbls>
-        <c:firstSliceAng val="0"/>
-      </c:pieChart>
-      <c:spPr>
-        <a:noFill/>
-        <a:ln>
-          <a:noFill/>
-        </a:ln>
-        <a:effectLst/>
-      </c:spPr>
-    </c:plotArea>
-    <c:legend>
-      <c:legendPos val="b"/>
-      <c:overlay val="0"/>
-      <c:spPr>
-        <a:noFill/>
-        <a:ln>
-          <a:noFill/>
-        </a:ln>
-        <a:effectLst/>
-      </c:spPr>
-      <c:txPr>
-        <a:bodyPr rot="0" spcFirstLastPara="1" vertOverflow="ellipsis" vert="horz" wrap="square" anchor="ctr" anchorCtr="1"/>
-        <a:lstStyle/>
-        <a:p>
-          <a:pPr>
-            <a:defRPr sz="1197" b="0" i="0" u="none" strike="noStrike" kern="1200" baseline="0">
-              <a:solidFill>
-                <a:schemeClr val="tx1">
-                  <a:lumMod val="65000"/>
-                  <a:lumOff val="35000"/>
-                </a:schemeClr>
-              </a:solidFill>
-              <a:latin typeface="+mn-lt"/>
-              <a:ea typeface="+mn-ea"/>
-              <a:cs typeface="+mn-cs"/>
-            </a:defRPr>
-          </a:pPr>
-          <a:endParaRPr lang="en-US"/>
-        </a:p>
-      </c:txPr>
-    </c:legend>
-    <c:plotVisOnly val="1"/>
-    <c:dispBlanksAs val="gap"/>
-    <c:extLst>
-      <c:ext xmlns:c16r3="http://schemas.microsoft.com/office/drawing/2017/03/chart" uri="{56B9EC1D-385E-4148-901F-78D8002777C0}">
-        <c16r3:dataDisplayOptions16>
-          <c16r3:dispNaAsBlank val="1"/>
-        </c16r3:dataDisplayOptions16>
-      </c:ext>
-    </c:extLst>
-    <c:showDLblsOverMax val="0"/>
-  </c:chart>
-  <c:spPr>
-    <a:noFill/>
-    <a:ln>
-      <a:noFill/>
-    </a:ln>
-    <a:effectLst/>
-  </c:spPr>
-  <c:txPr>
-    <a:bodyPr/>
-    <a:lstStyle/>
-    <a:p>
-      <a:pPr>
-        <a:defRPr/>
-      </a:pPr>
-      <a:endParaRPr lang="en-US"/>
-    </a:p>
-  </c:txPr>
-  <c:externalData r:id="rId3">
-    <c:autoUpdate val="0"/>
-  </c:externalData>
-</c:chartSpace>
-</file>
-
-<file path=ppt/charts/colors1.xml><?xml version="1.0" encoding="utf-8"?>
-<cs:colorStyle xmlns:cs="http://schemas.microsoft.com/office/drawing/2012/chartStyle" xmlns:a="http://schemas.openxmlformats.org/drawingml/2006/main" meth="cycle" id="10">
-  <a:schemeClr val="accent1"/>
-  <a:schemeClr val="accent2"/>
-  <a:schemeClr val="accent3"/>
-  <a:schemeClr val="accent4"/>
-  <a:schemeClr val="accent5"/>
-  <a:schemeClr val="accent6"/>
-  <cs:variation/>
-  <cs:variation>
-    <a:lumMod val="60000"/>
-  </cs:variation>
-  <cs:variation>
-    <a:lumMod val="80000"/>
-    <a:lumOff val="20000"/>
-  </cs:variation>
-  <cs:variation>
-    <a:lumMod val="80000"/>
-  </cs:variation>
-  <cs:variation>
-    <a:lumMod val="60000"/>
-    <a:lumOff val="40000"/>
-  </cs:variation>
-  <cs:variation>
-    <a:lumMod val="50000"/>
-  </cs:variation>
-  <cs:variation>
-    <a:lumMod val="70000"/>
-    <a:lumOff val="30000"/>
-  </cs:variation>
-  <cs:variation>
-    <a:lumMod val="70000"/>
-  </cs:variation>
-  <cs:variation>
-    <a:lumMod val="50000"/>
-    <a:lumOff val="50000"/>
-  </cs:variation>
-</cs:colorStyle>
-</file>
-
-<file path=ppt/charts/colors2.xml><?xml version="1.0" encoding="utf-8"?>
-<cs:colorStyle xmlns:cs="http://schemas.microsoft.com/office/drawing/2012/chartStyle" xmlns:a="http://schemas.openxmlformats.org/drawingml/2006/main" meth="cycle" id="10">
-  <a:schemeClr val="accent1"/>
-  <a:schemeClr val="accent2"/>
-  <a:schemeClr val="accent3"/>
-  <a:schemeClr val="accent4"/>
-  <a:schemeClr val="accent5"/>
-  <a:schemeClr val="accent6"/>
-  <cs:variation/>
-  <cs:variation>
-    <a:lumMod val="60000"/>
-  </cs:variation>
-  <cs:variation>
-    <a:lumMod val="80000"/>
-    <a:lumOff val="20000"/>
-  </cs:variation>
-  <cs:variation>
-    <a:lumMod val="80000"/>
-  </cs:variation>
-  <cs:variation>
-    <a:lumMod val="60000"/>
-    <a:lumOff val="40000"/>
-  </cs:variation>
-  <cs:variation>
-    <a:lumMod val="50000"/>
-  </cs:variation>
-  <cs:variation>
-    <a:lumMod val="70000"/>
-    <a:lumOff val="30000"/>
-  </cs:variation>
-  <cs:variation>
-    <a:lumMod val="70000"/>
-  </cs:variation>
-  <cs:variation>
-    <a:lumMod val="50000"/>
-    <a:lumOff val="50000"/>
-  </cs:variation>
-</cs:colorStyle>
-</file>
-
-<file path=ppt/charts/style1.xml><?xml version="1.0" encoding="utf-8"?>
-<cs:chartStyle xmlns:cs="http://schemas.microsoft.com/office/drawing/2012/chartStyle" xmlns:a="http://schemas.openxmlformats.org/drawingml/2006/main" id="201">
-  <cs:axisTitle>
-    <cs:lnRef idx="0"/>
-    <cs:fillRef idx="0"/>
-    <cs:effectRef idx="0"/>
-    <cs:fontRef idx="minor">
-      <a:schemeClr val="tx1">
-        <a:lumMod val="65000"/>
-        <a:lumOff val="35000"/>
-      </a:schemeClr>
-    </cs:fontRef>
-    <cs:defRPr sz="1330" kern="1200"/>
-  </cs:axisTitle>
-  <cs:categoryAxis>
-    <cs:lnRef idx="0"/>
-    <cs:fillRef idx="0"/>
-    <cs:effectRef idx="0"/>
-    <cs:fontRef idx="minor">
-      <a:schemeClr val="tx1">
-        <a:lumMod val="65000"/>
-        <a:lumOff val="35000"/>
-      </a:schemeClr>
-    </cs:fontRef>
-    <cs:spPr>
-      <a:ln w="9525" cap="flat" cmpd="sng" algn="ctr">
-        <a:solidFill>
-          <a:schemeClr val="tx1">
-            <a:lumMod val="15000"/>
-            <a:lumOff val="85000"/>
-          </a:schemeClr>
-        </a:solidFill>
-        <a:round/>
-      </a:ln>
-    </cs:spPr>
-    <cs:defRPr sz="1197" kern="1200"/>
-  </cs:categoryAxis>
-  <cs:chartArea mods="allowNoFillOverride allowNoLineOverride">
-    <cs:lnRef idx="0"/>
-    <cs:fillRef idx="0"/>
-    <cs:effectRef idx="0"/>
-    <cs:fontRef idx="minor">
-      <a:schemeClr val="tx1"/>
-    </cs:fontRef>
-    <cs:spPr>
-      <a:solidFill>
-        <a:schemeClr val="bg1"/>
-      </a:solidFill>
-      <a:ln w="9525" cap="flat" cmpd="sng" algn="ctr">
-        <a:solidFill>
-          <a:schemeClr val="tx1">
-            <a:lumMod val="15000"/>
-            <a:lumOff val="85000"/>
-          </a:schemeClr>
-        </a:solidFill>
-        <a:round/>
-      </a:ln>
-    </cs:spPr>
-    <cs:defRPr sz="1330" kern="1200"/>
-  </cs:chartArea>
-  <cs:dataLabel>
-    <cs:lnRef idx="0"/>
-    <cs:fillRef idx="0"/>
-    <cs:effectRef idx="0"/>
-    <cs:fontRef idx="minor">
-      <a:schemeClr val="tx1">
-        <a:lumMod val="75000"/>
-        <a:lumOff val="25000"/>
-      </a:schemeClr>
-    </cs:fontRef>
-    <cs:defRPr sz="1197" kern="1200"/>
-  </cs:dataLabel>
-  <cs:dataLabelCallout>
-    <cs:lnRef idx="0"/>
-    <cs:fillRef idx="0"/>
-    <cs:effectRef idx="0"/>
-    <cs:fontRef idx="minor">
-      <a:schemeClr val="dk1">
-        <a:lumMod val="65000"/>
-        <a:lumOff val="35000"/>
-      </a:schemeClr>
-    </cs:fontRef>
-    <cs:spPr>
-      <a:solidFill>
-        <a:schemeClr val="lt1"/>
-      </a:solidFill>
-      <a:ln>
-        <a:solidFill>
-          <a:schemeClr val="dk1">
-            <a:lumMod val="25000"/>
-            <a:lumOff val="75000"/>
-          </a:schemeClr>
-        </a:solidFill>
-      </a:ln>
-    </cs:spPr>
-    <cs:defRPr sz="1197" kern="1200"/>
-    <cs:bodyPr rot="0" spcFirstLastPara="1" vertOverflow="clip" horzOverflow="clip" vert="horz" wrap="square" lIns="36576" tIns="18288" rIns="36576" bIns="18288" anchor="ctr" anchorCtr="1">
-      <a:spAutoFit/>
-    </cs:bodyPr>
-  </cs:dataLabelCallout>
-  <cs:dataPoint>
-    <cs:lnRef idx="0"/>
-    <cs:fillRef idx="1">
-      <cs:styleClr val="auto"/>
-    </cs:fillRef>
-    <cs:effectRef idx="0"/>
-    <cs:fontRef idx="minor">
-      <a:schemeClr val="tx1"/>
-    </cs:fontRef>
-  </cs:dataPoint>
-  <cs:dataPoint3D>
-    <cs:lnRef idx="0"/>
-    <cs:fillRef idx="1">
-      <cs:styleClr val="auto"/>
-    </cs:fillRef>
-    <cs:effectRef idx="0"/>
-    <cs:fontRef idx="minor">
-      <a:schemeClr val="tx1"/>
-    </cs:fontRef>
-  </cs:dataPoint3D>
-  <cs:dataPointLine>
-    <cs:lnRef idx="0">
-      <cs:styleClr val="auto"/>
-    </cs:lnRef>
-    <cs:fillRef idx="1"/>
-    <cs:effectRef idx="0"/>
-    <cs:fontRef idx="minor">
-      <a:schemeClr val="tx1"/>
-    </cs:fontRef>
-    <cs:spPr>
-      <a:ln w="28575" cap="rnd">
-        <a:solidFill>
-          <a:schemeClr val="phClr"/>
-        </a:solidFill>
-        <a:round/>
-      </a:ln>
-    </cs:spPr>
-  </cs:dataPointLine>
-  <cs:dataPointMarker>
-    <cs:lnRef idx="0">
-      <cs:styleClr val="auto"/>
-    </cs:lnRef>
-    <cs:fillRef idx="1">
-      <cs:styleClr val="auto"/>
-    </cs:fillRef>
-    <cs:effectRef idx="0"/>
-    <cs:fontRef idx="minor">
-      <a:schemeClr val="tx1"/>
-    </cs:fontRef>
-    <cs:spPr>
-      <a:ln w="9525">
-        <a:solidFill>
-          <a:schemeClr val="phClr"/>
-        </a:solidFill>
-      </a:ln>
-    </cs:spPr>
-  </cs:dataPointMarker>
-  <cs:dataPointMarkerLayout symbol="circle" size="5"/>
-  <cs:dataPointWireframe>
-    <cs:lnRef idx="0">
-      <cs:styleClr val="auto"/>
-    </cs:lnRef>
-    <cs:fillRef idx="1"/>
-    <cs:effectRef idx="0"/>
-    <cs:fontRef idx="minor">
-      <a:schemeClr val="tx1"/>
-    </cs:fontRef>
-    <cs:spPr>
-      <a:ln w="9525" cap="rnd">
-        <a:solidFill>
-          <a:schemeClr val="phClr"/>
-        </a:solidFill>
-        <a:round/>
-      </a:ln>
-    </cs:spPr>
-  </cs:dataPointWireframe>
-  <cs:dataTable>
-    <cs:lnRef idx="0"/>
-    <cs:fillRef idx="0"/>
-    <cs:effectRef idx="0"/>
-    <cs:fontRef idx="minor">
-      <a:schemeClr val="tx1">
-        <a:lumMod val="65000"/>
-        <a:lumOff val="35000"/>
-      </a:schemeClr>
-    </cs:fontRef>
-    <cs:spPr>
-      <a:noFill/>
-      <a:ln w="9525" cap="flat" cmpd="sng" algn="ctr">
-        <a:solidFill>
-          <a:schemeClr val="tx1">
-            <a:lumMod val="15000"/>
-            <a:lumOff val="85000"/>
-          </a:schemeClr>
-        </a:solidFill>
-        <a:round/>
-      </a:ln>
-    </cs:spPr>
-    <cs:defRPr sz="1197" kern="1200"/>
-  </cs:dataTable>
-  <cs:downBar>
-    <cs:lnRef idx="0"/>
-    <cs:fillRef idx="0"/>
-    <cs:effectRef idx="0"/>
-    <cs:fontRef idx="minor">
-      <a:schemeClr val="dk1"/>
-    </cs:fontRef>
-    <cs:spPr>
-      <a:solidFill>
-        <a:schemeClr val="dk1">
-          <a:lumMod val="65000"/>
-          <a:lumOff val="35000"/>
-        </a:schemeClr>
-      </a:solidFill>
-      <a:ln w="9525">
-        <a:solidFill>
-          <a:schemeClr val="tx1">
-            <a:lumMod val="65000"/>
-            <a:lumOff val="35000"/>
-          </a:schemeClr>
-        </a:solidFill>
-      </a:ln>
-    </cs:spPr>
-  </cs:downBar>
-  <cs:dropLine>
-    <cs:lnRef idx="0"/>
-    <cs:fillRef idx="0"/>
-    <cs:effectRef idx="0"/>
-    <cs:fontRef idx="minor">
-      <a:schemeClr val="tx1"/>
-    </cs:fontRef>
-    <cs:spPr>
-      <a:ln w="9525" cap="flat" cmpd="sng" algn="ctr">
-        <a:solidFill>
-          <a:schemeClr val="tx1">
-            <a:lumMod val="35000"/>
-            <a:lumOff val="65000"/>
-          </a:schemeClr>
-        </a:solidFill>
-        <a:round/>
-      </a:ln>
-    </cs:spPr>
-  </cs:dropLine>
-  <cs:errorBar>
-    <cs:lnRef idx="0"/>
-    <cs:fillRef idx="0"/>
-    <cs:effectRef idx="0"/>
-    <cs:fontRef idx="minor">
-      <a:schemeClr val="tx1"/>
-    </cs:fontRef>
-    <cs:spPr>
-      <a:ln w="9525" cap="flat" cmpd="sng" algn="ctr">
-        <a:solidFill>
-          <a:schemeClr val="tx1">
-            <a:lumMod val="65000"/>
-            <a:lumOff val="35000"/>
-          </a:schemeClr>
-        </a:solidFill>
-        <a:round/>
-      </a:ln>
-    </cs:spPr>
-  </cs:errorBar>
-  <cs:floor>
-    <cs:lnRef idx="0"/>
-    <cs:fillRef idx="0"/>
-    <cs:effectRef idx="0"/>
-    <cs:fontRef idx="minor">
-      <a:schemeClr val="tx1"/>
-    </cs:fontRef>
-    <cs:spPr>
-      <a:noFill/>
-      <a:ln>
-        <a:noFill/>
-      </a:ln>
-    </cs:spPr>
-  </cs:floor>
-  <cs:gridlineMajor>
-    <cs:lnRef idx="0"/>
-    <cs:fillRef idx="0"/>
-    <cs:effectRef idx="0"/>
-    <cs:fontRef idx="minor">
-      <a:schemeClr val="tx1"/>
-    </cs:fontRef>
-    <cs:spPr>
-      <a:ln w="9525" cap="flat" cmpd="sng" algn="ctr">
-        <a:solidFill>
-          <a:schemeClr val="tx1">
-            <a:lumMod val="15000"/>
-            <a:lumOff val="85000"/>
-          </a:schemeClr>
-        </a:solidFill>
-        <a:round/>
-      </a:ln>
-    </cs:spPr>
-  </cs:gridlineMajor>
-  <cs:gridlineMinor>
-    <cs:lnRef idx="0"/>
-    <cs:fillRef idx="0"/>
-    <cs:effectRef idx="0"/>
-    <cs:fontRef idx="minor">
-      <a:schemeClr val="tx1"/>
-    </cs:fontRef>
-    <cs:spPr>
-      <a:ln w="9525" cap="flat" cmpd="sng" algn="ctr">
-        <a:solidFill>
-          <a:schemeClr val="tx1">
-            <a:lumMod val="5000"/>
-            <a:lumOff val="95000"/>
-          </a:schemeClr>
-        </a:solidFill>
-        <a:round/>
-      </a:ln>
-    </cs:spPr>
-  </cs:gridlineMinor>
-  <cs:hiLoLine>
-    <cs:lnRef idx="0"/>
-    <cs:fillRef idx="0"/>
-    <cs:effectRef idx="0"/>
-    <cs:fontRef idx="minor">
-      <a:schemeClr val="tx1"/>
-    </cs:fontRef>
-    <cs:spPr>
-      <a:ln w="9525" cap="flat" cmpd="sng" algn="ctr">
-        <a:solidFill>
-          <a:schemeClr val="tx1">
-            <a:lumMod val="75000"/>
-            <a:lumOff val="25000"/>
-          </a:schemeClr>
-        </a:solidFill>
-        <a:round/>
-      </a:ln>
-    </cs:spPr>
-  </cs:hiLoLine>
-  <cs:leaderLine>
-    <cs:lnRef idx="0"/>
-    <cs:fillRef idx="0"/>
-    <cs:effectRef idx="0"/>
-    <cs:fontRef idx="minor">
-      <a:schemeClr val="tx1"/>
-    </cs:fontRef>
-    <cs:spPr>
-      <a:ln w="9525" cap="flat" cmpd="sng" algn="ctr">
-        <a:solidFill>
-          <a:schemeClr val="tx1">
-            <a:lumMod val="35000"/>
-            <a:lumOff val="65000"/>
-          </a:schemeClr>
-        </a:solidFill>
-        <a:round/>
-      </a:ln>
-    </cs:spPr>
-  </cs:leaderLine>
-  <cs:legend>
-    <cs:lnRef idx="0"/>
-    <cs:fillRef idx="0"/>
-    <cs:effectRef idx="0"/>
-    <cs:fontRef idx="minor">
-      <a:schemeClr val="tx1">
-        <a:lumMod val="65000"/>
-        <a:lumOff val="35000"/>
-      </a:schemeClr>
-    </cs:fontRef>
-    <cs:defRPr sz="1197" kern="1200"/>
-  </cs:legend>
-  <cs:plotArea mods="allowNoFillOverride allowNoLineOverride">
-    <cs:lnRef idx="0"/>
-    <cs:fillRef idx="0"/>
-    <cs:effectRef idx="0"/>
-    <cs:fontRef idx="minor">
-      <a:schemeClr val="tx1"/>
-    </cs:fontRef>
-  </cs:plotArea>
-  <cs:plotArea3D mods="allowNoFillOverride allowNoLineOverride">
-    <cs:lnRef idx="0"/>
-    <cs:fillRef idx="0"/>
-    <cs:effectRef idx="0"/>
-    <cs:fontRef idx="minor">
-      <a:schemeClr val="tx1"/>
-    </cs:fontRef>
-  </cs:plotArea3D>
-  <cs:seriesAxis>
-    <cs:lnRef idx="0"/>
-    <cs:fillRef idx="0"/>
-    <cs:effectRef idx="0"/>
-    <cs:fontRef idx="minor">
-      <a:schemeClr val="tx1">
-        <a:lumMod val="65000"/>
-        <a:lumOff val="35000"/>
-      </a:schemeClr>
-    </cs:fontRef>
-    <cs:defRPr sz="1197" kern="1200"/>
-  </cs:seriesAxis>
-  <cs:seriesLine>
-    <cs:lnRef idx="0"/>
-    <cs:fillRef idx="0"/>
-    <cs:effectRef idx="0"/>
-    <cs:fontRef idx="minor">
-      <a:schemeClr val="tx1"/>
-    </cs:fontRef>
-    <cs:spPr>
-      <a:ln w="9525" cap="flat" cmpd="sng" algn="ctr">
-        <a:solidFill>
-          <a:schemeClr val="tx1">
-            <a:lumMod val="35000"/>
-            <a:lumOff val="65000"/>
-          </a:schemeClr>
-        </a:solidFill>
-        <a:round/>
-      </a:ln>
-    </cs:spPr>
-  </cs:seriesLine>
-  <cs:title>
-    <cs:lnRef idx="0"/>
-    <cs:fillRef idx="0"/>
-    <cs:effectRef idx="0"/>
-    <cs:fontRef idx="minor">
-      <a:schemeClr val="tx1">
-        <a:lumMod val="65000"/>
-        <a:lumOff val="35000"/>
-      </a:schemeClr>
-    </cs:fontRef>
-    <cs:defRPr sz="1862" b="0" kern="1200" spc="0" baseline="0"/>
-  </cs:title>
-  <cs:trendline>
-    <cs:lnRef idx="0">
-      <cs:styleClr val="auto"/>
-    </cs:lnRef>
-    <cs:fillRef idx="0"/>
-    <cs:effectRef idx="0"/>
-    <cs:fontRef idx="minor">
-      <a:schemeClr val="tx1"/>
-    </cs:fontRef>
-    <cs:spPr>
-      <a:ln w="19050" cap="rnd">
-        <a:solidFill>
-          <a:schemeClr val="phClr"/>
-        </a:solidFill>
-        <a:prstDash val="sysDot"/>
-      </a:ln>
-    </cs:spPr>
-  </cs:trendline>
-  <cs:trendlineLabel>
-    <cs:lnRef idx="0"/>
-    <cs:fillRef idx="0"/>
-    <cs:effectRef idx="0"/>
-    <cs:fontRef idx="minor">
-      <a:schemeClr val="tx1">
-        <a:lumMod val="65000"/>
-        <a:lumOff val="35000"/>
-      </a:schemeClr>
-    </cs:fontRef>
-    <cs:defRPr sz="1197" kern="1200"/>
-  </cs:trendlineLabel>
-  <cs:upBar>
-    <cs:lnRef idx="0"/>
-    <cs:fillRef idx="0"/>
-    <cs:effectRef idx="0"/>
-    <cs:fontRef idx="minor">
-      <a:schemeClr val="dk1"/>
-    </cs:fontRef>
-    <cs:spPr>
-      <a:solidFill>
-        <a:schemeClr val="lt1"/>
-      </a:solidFill>
-      <a:ln w="9525">
-        <a:solidFill>
-          <a:schemeClr val="tx1">
-            <a:lumMod val="15000"/>
-            <a:lumOff val="85000"/>
-          </a:schemeClr>
-        </a:solidFill>
-      </a:ln>
-    </cs:spPr>
-  </cs:upBar>
-  <cs:valueAxis>
-    <cs:lnRef idx="0"/>
-    <cs:fillRef idx="0"/>
-    <cs:effectRef idx="0"/>
-    <cs:fontRef idx="minor">
-      <a:schemeClr val="tx1">
-        <a:lumMod val="65000"/>
-        <a:lumOff val="35000"/>
-      </a:schemeClr>
-    </cs:fontRef>
-    <cs:defRPr sz="1197" kern="1200"/>
-  </cs:valueAxis>
-  <cs:wall>
-    <cs:lnRef idx="0"/>
-    <cs:fillRef idx="0"/>
-    <cs:effectRef idx="0"/>
-    <cs:fontRef idx="minor">
-      <a:schemeClr val="tx1"/>
-    </cs:fontRef>
-    <cs:spPr>
-      <a:noFill/>
-      <a:ln>
-        <a:noFill/>
-      </a:ln>
-    </cs:spPr>
-  </cs:wall>
-</cs:chartStyle>
-</file>
-
-<file path=ppt/charts/style2.xml><?xml version="1.0" encoding="utf-8"?>
-<cs:chartStyle xmlns:cs="http://schemas.microsoft.com/office/drawing/2012/chartStyle" xmlns:a="http://schemas.openxmlformats.org/drawingml/2006/main" id="251">
-  <cs:axisTitle>
-    <cs:lnRef idx="0"/>
-    <cs:fillRef idx="0"/>
-    <cs:effectRef idx="0"/>
-    <cs:fontRef idx="minor">
-      <a:schemeClr val="tx1">
-        <a:lumMod val="65000"/>
-        <a:lumOff val="35000"/>
-      </a:schemeClr>
-    </cs:fontRef>
-    <cs:defRPr sz="1330" kern="1200"/>
-  </cs:axisTitle>
-  <cs:categoryAxis>
-    <cs:lnRef idx="0"/>
-    <cs:fillRef idx="0"/>
-    <cs:effectRef idx="0"/>
-    <cs:fontRef idx="minor">
-      <a:schemeClr val="tx1">
-        <a:lumMod val="65000"/>
-        <a:lumOff val="35000"/>
-      </a:schemeClr>
-    </cs:fontRef>
-    <cs:spPr>
-      <a:ln w="9525" cap="flat" cmpd="sng" algn="ctr">
-        <a:solidFill>
-          <a:schemeClr val="tx1">
-            <a:lumMod val="15000"/>
-            <a:lumOff val="85000"/>
-          </a:schemeClr>
-        </a:solidFill>
-        <a:round/>
-      </a:ln>
-    </cs:spPr>
-    <cs:defRPr sz="1197" kern="1200"/>
-  </cs:categoryAxis>
-  <cs:chartArea mods="allowNoFillOverride allowNoLineOverride">
-    <cs:lnRef idx="0"/>
-    <cs:fillRef idx="0"/>
-    <cs:effectRef idx="0"/>
-    <cs:fontRef idx="minor">
-      <a:schemeClr val="tx1"/>
-    </cs:fontRef>
-    <cs:spPr>
-      <a:solidFill>
-        <a:schemeClr val="bg1"/>
-      </a:solidFill>
-      <a:ln w="9525" cap="flat" cmpd="sng" algn="ctr">
-        <a:solidFill>
-          <a:schemeClr val="tx1">
-            <a:lumMod val="15000"/>
-            <a:lumOff val="85000"/>
-          </a:schemeClr>
-        </a:solidFill>
-        <a:round/>
-      </a:ln>
-    </cs:spPr>
-    <cs:defRPr sz="1197" kern="1200"/>
-  </cs:chartArea>
-  <cs:dataLabel>
-    <cs:lnRef idx="0"/>
-    <cs:fillRef idx="0"/>
-    <cs:effectRef idx="0"/>
-    <cs:fontRef idx="minor">
-      <a:schemeClr val="tx1">
-        <a:lumMod val="75000"/>
-        <a:lumOff val="25000"/>
-      </a:schemeClr>
-    </cs:fontRef>
-    <cs:defRPr sz="1197" kern="1200"/>
-  </cs:dataLabel>
-  <cs:dataLabelCallout>
-    <cs:lnRef idx="0"/>
-    <cs:fillRef idx="0"/>
-    <cs:effectRef idx="0"/>
-    <cs:fontRef idx="minor">
-      <a:schemeClr val="dk1">
-        <a:lumMod val="65000"/>
-        <a:lumOff val="35000"/>
-      </a:schemeClr>
-    </cs:fontRef>
-    <cs:spPr>
-      <a:solidFill>
-        <a:schemeClr val="lt1"/>
-      </a:solidFill>
-      <a:ln>
-        <a:solidFill>
-          <a:schemeClr val="dk1">
-            <a:lumMod val="25000"/>
-            <a:lumOff val="75000"/>
-          </a:schemeClr>
-        </a:solidFill>
-      </a:ln>
-    </cs:spPr>
-    <cs:defRPr sz="1197" kern="1200"/>
-    <cs:bodyPr rot="0" spcFirstLastPara="1" vertOverflow="clip" horzOverflow="clip" vert="horz" wrap="square" lIns="36576" tIns="18288" rIns="36576" bIns="18288" anchor="ctr" anchorCtr="1">
-      <a:spAutoFit/>
-    </cs:bodyPr>
-  </cs:dataLabelCallout>
-  <cs:dataPoint>
-    <cs:lnRef idx="0"/>
-    <cs:fillRef idx="1">
-      <cs:styleClr val="auto"/>
-    </cs:fillRef>
-    <cs:effectRef idx="0"/>
-    <cs:fontRef idx="minor">
-      <a:schemeClr val="tx1"/>
-    </cs:fontRef>
-    <cs:spPr>
-      <a:ln w="19050">
-        <a:solidFill>
-          <a:schemeClr val="lt1"/>
-        </a:solidFill>
-      </a:ln>
-    </cs:spPr>
-  </cs:dataPoint>
-  <cs:dataPoint3D>
-    <cs:lnRef idx="0"/>
-    <cs:fillRef idx="1">
-      <cs:styleClr val="auto"/>
-    </cs:fillRef>
-    <cs:effectRef idx="0"/>
-    <cs:fontRef idx="minor">
-      <a:schemeClr val="tx1"/>
-    </cs:fontRef>
-    <cs:spPr>
-      <a:ln w="25400">
-        <a:solidFill>
-          <a:schemeClr val="lt1"/>
-        </a:solidFill>
-      </a:ln>
-    </cs:spPr>
-  </cs:dataPoint3D>
-  <cs:dataPointLine>
-    <cs:lnRef idx="0">
-      <cs:styleClr val="auto"/>
-    </cs:lnRef>
-    <cs:fillRef idx="0"/>
-    <cs:effectRef idx="0"/>
-    <cs:fontRef idx="minor">
-      <a:schemeClr val="tx1"/>
-    </cs:fontRef>
-    <cs:spPr>
-      <a:ln w="28575" cap="rnd">
-        <a:solidFill>
-          <a:schemeClr val="phClr"/>
-        </a:solidFill>
-        <a:round/>
-      </a:ln>
-    </cs:spPr>
-  </cs:dataPointLine>
-  <cs:dataPointMarker>
-    <cs:lnRef idx="0">
-      <cs:styleClr val="auto"/>
-    </cs:lnRef>
-    <cs:fillRef idx="1">
-      <cs:styleClr val="auto"/>
-    </cs:fillRef>
-    <cs:effectRef idx="0"/>
-    <cs:fontRef idx="minor">
-      <a:schemeClr val="tx1"/>
-    </cs:fontRef>
-    <cs:spPr>
-      <a:ln w="9525">
-        <a:solidFill>
-          <a:schemeClr val="phClr"/>
-        </a:solidFill>
-      </a:ln>
-    </cs:spPr>
-  </cs:dataPointMarker>
-  <cs:dataPointMarkerLayout symbol="circle" size="5"/>
-  <cs:dataPointWireframe>
-    <cs:lnRef idx="0">
-      <cs:styleClr val="auto"/>
-    </cs:lnRef>
-    <cs:fillRef idx="0"/>
-    <cs:effectRef idx="0"/>
-    <cs:fontRef idx="minor">
-      <a:schemeClr val="tx1"/>
-    </cs:fontRef>
-    <cs:spPr>
-      <a:ln w="9525" cap="rnd">
-        <a:solidFill>
-          <a:schemeClr val="phClr"/>
-        </a:solidFill>
-        <a:round/>
-      </a:ln>
-    </cs:spPr>
-  </cs:dataPointWireframe>
-  <cs:dataTable>
-    <cs:lnRef idx="0"/>
-    <cs:fillRef idx="0"/>
-    <cs:effectRef idx="0"/>
-    <cs:fontRef idx="minor">
-      <a:schemeClr val="tx1">
-        <a:lumMod val="65000"/>
-        <a:lumOff val="35000"/>
-      </a:schemeClr>
-    </cs:fontRef>
-    <cs:spPr>
-      <a:noFill/>
-      <a:ln w="9525" cap="flat" cmpd="sng" algn="ctr">
-        <a:solidFill>
-          <a:schemeClr val="tx1">
-            <a:lumMod val="15000"/>
-            <a:lumOff val="85000"/>
-          </a:schemeClr>
-        </a:solidFill>
-        <a:round/>
-      </a:ln>
-    </cs:spPr>
-    <cs:defRPr sz="1197" kern="1200"/>
-  </cs:dataTable>
-  <cs:downBar>
-    <cs:lnRef idx="0"/>
-    <cs:fillRef idx="0"/>
-    <cs:effectRef idx="0"/>
-    <cs:fontRef idx="minor">
-      <a:schemeClr val="tx1"/>
-    </cs:fontRef>
-    <cs:spPr>
-      <a:solidFill>
-        <a:schemeClr val="dk1">
-          <a:lumMod val="75000"/>
-          <a:lumOff val="25000"/>
-        </a:schemeClr>
-      </a:solidFill>
-      <a:ln w="9525" cap="flat" cmpd="sng" algn="ctr">
-        <a:solidFill>
-          <a:schemeClr val="tx1">
-            <a:lumMod val="65000"/>
-            <a:lumOff val="35000"/>
-          </a:schemeClr>
-        </a:solidFill>
-        <a:round/>
-      </a:ln>
-    </cs:spPr>
-  </cs:downBar>
-  <cs:dropLine>
-    <cs:lnRef idx="0"/>
-    <cs:fillRef idx="0"/>
-    <cs:effectRef idx="0"/>
-    <cs:fontRef idx="minor">
-      <a:schemeClr val="tx1"/>
-    </cs:fontRef>
-    <cs:spPr>
-      <a:ln w="9525" cap="flat" cmpd="sng" algn="ctr">
-        <a:solidFill>
-          <a:schemeClr val="tx1">
-            <a:lumMod val="35000"/>
-            <a:lumOff val="65000"/>
-          </a:schemeClr>
-        </a:solidFill>
-        <a:round/>
-      </a:ln>
-    </cs:spPr>
-  </cs:dropLine>
-  <cs:errorBar>
-    <cs:lnRef idx="0"/>
-    <cs:fillRef idx="0"/>
-    <cs:effectRef idx="0"/>
-    <cs:fontRef idx="minor">
-      <a:schemeClr val="tx1"/>
-    </cs:fontRef>
-    <cs:spPr>
-      <a:ln w="9525" cap="flat" cmpd="sng" algn="ctr">
-        <a:solidFill>
-          <a:schemeClr val="tx1">
-            <a:lumMod val="65000"/>
-            <a:lumOff val="35000"/>
-          </a:schemeClr>
-        </a:solidFill>
-        <a:round/>
-      </a:ln>
-    </cs:spPr>
-  </cs:errorBar>
-  <cs:floor>
-    <cs:lnRef idx="0"/>
-    <cs:fillRef idx="0"/>
-    <cs:effectRef idx="0"/>
-    <cs:fontRef idx="minor">
-      <a:schemeClr val="tx1"/>
-    </cs:fontRef>
-    <cs:spPr>
-      <a:noFill/>
-      <a:ln>
-        <a:noFill/>
-      </a:ln>
-    </cs:spPr>
-  </cs:floor>
-  <cs:gridlineMajor>
-    <cs:lnRef idx="0"/>
-    <cs:fillRef idx="0"/>
-    <cs:effectRef idx="0"/>
-    <cs:fontRef idx="minor">
-      <a:schemeClr val="tx1"/>
-    </cs:fontRef>
-    <cs:spPr>
-      <a:ln w="9525" cap="flat" cmpd="sng" algn="ctr">
-        <a:solidFill>
-          <a:schemeClr val="tx1">
-            <a:lumMod val="15000"/>
-            <a:lumOff val="85000"/>
-          </a:schemeClr>
-        </a:solidFill>
-        <a:round/>
-      </a:ln>
-    </cs:spPr>
-  </cs:gridlineMajor>
-  <cs:gridlineMinor>
-    <cs:lnRef idx="0"/>
-    <cs:fillRef idx="0"/>
-    <cs:effectRef idx="0"/>
-    <cs:fontRef idx="minor">
-      <a:schemeClr val="tx1"/>
-    </cs:fontRef>
-    <cs:spPr>
-      <a:ln w="9525" cap="flat" cmpd="sng" algn="ctr">
-        <a:solidFill>
-          <a:schemeClr val="tx1">
-            <a:lumMod val="5000"/>
-            <a:lumOff val="95000"/>
-          </a:schemeClr>
-        </a:solidFill>
-        <a:round/>
-      </a:ln>
-    </cs:spPr>
-  </cs:gridlineMinor>
-  <cs:hiLoLine>
-    <cs:lnRef idx="0"/>
-    <cs:fillRef idx="0"/>
-    <cs:effectRef idx="0"/>
-    <cs:fontRef idx="minor">
-      <a:schemeClr val="tx1"/>
-    </cs:fontRef>
-    <cs:spPr>
-      <a:ln w="9525" cap="flat" cmpd="sng" algn="ctr">
-        <a:solidFill>
-          <a:schemeClr val="tx1">
-            <a:lumMod val="50000"/>
-            <a:lumOff val="50000"/>
-          </a:schemeClr>
-        </a:solidFill>
-        <a:round/>
-      </a:ln>
-    </cs:spPr>
-  </cs:hiLoLine>
-  <cs:leaderLine>
-    <cs:lnRef idx="0"/>
-    <cs:fillRef idx="0"/>
-    <cs:effectRef idx="0"/>
-    <cs:fontRef idx="minor">
-      <a:schemeClr val="tx1"/>
-    </cs:fontRef>
-    <cs:spPr>
-      <a:ln w="9525" cap="flat" cmpd="sng" algn="ctr">
-        <a:solidFill>
-          <a:schemeClr val="tx1">
-            <a:lumMod val="35000"/>
-            <a:lumOff val="65000"/>
-          </a:schemeClr>
-        </a:solidFill>
-        <a:round/>
-      </a:ln>
-    </cs:spPr>
-  </cs:leaderLine>
-  <cs:legend>
-    <cs:lnRef idx="0"/>
-    <cs:fillRef idx="0"/>
-    <cs:effectRef idx="0"/>
-    <cs:fontRef idx="minor">
-      <a:schemeClr val="tx1">
-        <a:lumMod val="65000"/>
-        <a:lumOff val="35000"/>
-      </a:schemeClr>
-    </cs:fontRef>
-    <cs:defRPr sz="1197" kern="1200"/>
-  </cs:legend>
-  <cs:plotArea mods="allowNoFillOverride allowNoLineOverride">
-    <cs:lnRef idx="0"/>
-    <cs:fillRef idx="0"/>
-    <cs:effectRef idx="0"/>
-    <cs:fontRef idx="minor">
-      <a:schemeClr val="tx1"/>
-    </cs:fontRef>
-  </cs:plotArea>
-  <cs:plotArea3D mods="allowNoFillOverride allowNoLineOverride">
-    <cs:lnRef idx="0"/>
-    <cs:fillRef idx="0"/>
-    <cs:effectRef idx="0"/>
-    <cs:fontRef idx="minor">
-      <a:schemeClr val="tx1"/>
-    </cs:fontRef>
-  </cs:plotArea3D>
-  <cs:seriesAxis>
-    <cs:lnRef idx="0"/>
-    <cs:fillRef idx="0"/>
-    <cs:effectRef idx="0"/>
-    <cs:fontRef idx="minor">
-      <a:schemeClr val="tx1">
-        <a:lumMod val="65000"/>
-        <a:lumOff val="35000"/>
-      </a:schemeClr>
-    </cs:fontRef>
-    <cs:defRPr sz="1197" kern="1200"/>
-  </cs:seriesAxis>
-  <cs:seriesLine>
-    <cs:lnRef idx="0"/>
-    <cs:fillRef idx="0"/>
-    <cs:effectRef idx="0"/>
-    <cs:fontRef idx="minor">
-      <a:schemeClr val="tx1"/>
-    </cs:fontRef>
-    <cs:spPr>
-      <a:ln w="9525" cap="flat" cmpd="sng" algn="ctr">
-        <a:solidFill>
-          <a:schemeClr val="tx1">
-            <a:lumMod val="35000"/>
-            <a:lumOff val="65000"/>
-          </a:schemeClr>
-        </a:solidFill>
-        <a:round/>
-      </a:ln>
-    </cs:spPr>
-  </cs:seriesLine>
-  <cs:title>
-    <cs:lnRef idx="0"/>
-    <cs:fillRef idx="0"/>
-    <cs:effectRef idx="0"/>
-    <cs:fontRef idx="minor">
-      <a:schemeClr val="tx1">
-        <a:lumMod val="65000"/>
-        <a:lumOff val="35000"/>
-      </a:schemeClr>
-    </cs:fontRef>
-    <cs:defRPr sz="1862" b="0" kern="1200" spc="0" baseline="0"/>
-  </cs:title>
-  <cs:trendline>
-    <cs:lnRef idx="0">
-      <cs:styleClr val="auto"/>
-    </cs:lnRef>
-    <cs:fillRef idx="0"/>
-    <cs:effectRef idx="0"/>
-    <cs:fontRef idx="minor">
-      <a:schemeClr val="tx1"/>
-    </cs:fontRef>
-    <cs:spPr>
-      <a:ln w="19050" cap="rnd">
-        <a:solidFill>
-          <a:schemeClr val="phClr"/>
-        </a:solidFill>
-        <a:prstDash val="sysDot"/>
-      </a:ln>
-    </cs:spPr>
-  </cs:trendline>
-  <cs:trendlineLabel>
-    <cs:lnRef idx="0"/>
-    <cs:fillRef idx="0"/>
-    <cs:effectRef idx="0"/>
-    <cs:fontRef idx="minor">
-      <a:schemeClr val="tx1">
-        <a:lumMod val="65000"/>
-        <a:lumOff val="35000"/>
-      </a:schemeClr>
-    </cs:fontRef>
-    <cs:defRPr sz="1197" kern="1200"/>
-  </cs:trendlineLabel>
-  <cs:upBar>
-    <cs:lnRef idx="0"/>
-    <cs:fillRef idx="0"/>
-    <cs:effectRef idx="0"/>
-    <cs:fontRef idx="minor">
-      <a:schemeClr val="tx1"/>
-    </cs:fontRef>
-    <cs:spPr>
-      <a:solidFill>
-        <a:schemeClr val="lt1"/>
-      </a:solidFill>
-      <a:ln w="9525" cap="flat" cmpd="sng" algn="ctr">
-        <a:solidFill>
-          <a:schemeClr val="tx1">
-            <a:lumMod val="65000"/>
-            <a:lumOff val="35000"/>
-          </a:schemeClr>
-        </a:solidFill>
-        <a:round/>
-      </a:ln>
-    </cs:spPr>
-  </cs:upBar>
-  <cs:valueAxis>
-    <cs:lnRef idx="0"/>
-    <cs:fillRef idx="0"/>
-    <cs:effectRef idx="0"/>
-    <cs:fontRef idx="minor">
-      <a:schemeClr val="tx1">
-        <a:lumMod val="65000"/>
-        <a:lumOff val="35000"/>
-      </a:schemeClr>
-    </cs:fontRef>
-    <cs:defRPr sz="1197" kern="1200"/>
-  </cs:valueAxis>
-  <cs:wall>
-    <cs:lnRef idx="0"/>
-    <cs:fillRef idx="0"/>
-    <cs:effectRef idx="0"/>
-    <cs:fontRef idx="minor">
-      <a:schemeClr val="tx1"/>
-    </cs:fontRef>
-    <cs:spPr>
-      <a:noFill/>
-      <a:ln>
-        <a:noFill/>
-      </a:ln>
-    </cs:spPr>
-  </cs:wall>
-</cs:chartStyle>
 </file>
 
 <file path=ppt/handoutMasters/handoutMaster1.xml><?xml version="1.0" encoding="utf-8"?>
@@ -2666,7 +808,10 @@
           <a:bodyPr/>
           <a:lstStyle/>
           <a:p>
-            <a:endParaRPr lang="en-US"/>
+            <a:r>
+              <a:rPr lang="en-US" dirty="0"/>
+              <a:t>Final</a:t>
+            </a:r>
           </a:p>
         </p:txBody>
       </p:sp>
@@ -2918,7 +1063,7 @@
           <a:bodyPr/>
           <a:lstStyle/>
           <a:p>
-            <a:endParaRPr lang="en-US"/>
+            <a:endParaRPr lang="en-US" dirty="0"/>
           </a:p>
         </p:txBody>
       </p:sp>
@@ -3002,7 +1147,25 @@
           <a:bodyPr/>
           <a:lstStyle/>
           <a:p>
-            <a:endParaRPr lang="en-US"/>
+            <a:r>
+              <a:rPr lang="en-US" dirty="0"/>
+              <a:t>The Lifestyle and Wellbeing data were</a:t>
+            </a:r>
+          </a:p>
+          <a:p>
+            <a:endParaRPr lang="en-US" dirty="0"/>
+          </a:p>
+          <a:p>
+            <a:r>
+              <a:rPr lang="en-US" dirty="0"/>
+              <a:t>We brought together Bad and Good, there’s so little Bad.</a:t>
+            </a:r>
+          </a:p>
+          <a:p>
+            <a:r>
+              <a:rPr lang="en-US" dirty="0"/>
+              <a:t>Excellent</a:t>
+            </a:r>
           </a:p>
         </p:txBody>
       </p:sp>
@@ -3170,7 +1333,7 @@
           <a:bodyPr/>
           <a:lstStyle/>
           <a:p>
-            <a:endParaRPr lang="en-US"/>
+            <a:endParaRPr lang="en-CA" dirty="0"/>
           </a:p>
         </p:txBody>
       </p:sp>
@@ -3190,17 +1353,17 @@
           <a:lstStyle/>
           <a:p>
             <a:fld id="{6336304E-FDE3-4B4F-A3B7-EBE87F3FA5E2}" type="slidenum">
-              <a:rPr lang="en-US" smtClean="0"/>
+              <a:rPr lang="en-US" noProof="0" smtClean="0"/>
               <a:t>6</a:t>
             </a:fld>
-            <a:endParaRPr lang="en-US"/>
+            <a:endParaRPr lang="en-US" noProof="0" dirty="0"/>
           </a:p>
         </p:txBody>
       </p:sp>
     </p:spTree>
     <p:extLst>
       <p:ext uri="{BB962C8B-B14F-4D97-AF65-F5344CB8AC3E}">
-        <p14:creationId xmlns:p14="http://schemas.microsoft.com/office/powerpoint/2010/main" val="4092240741"/>
+        <p14:creationId xmlns:p14="http://schemas.microsoft.com/office/powerpoint/2010/main" val="3726131906"/>
       </p:ext>
     </p:extLst>
   </p:cSld>
@@ -3338,7 +1501,23 @@
           <a:bodyPr/>
           <a:lstStyle/>
           <a:p>
-            <a:endParaRPr lang="en-US"/>
+            <a:r>
+              <a:rPr lang="en-US" dirty="0"/>
+              <a:t>Balanced Random Forest classifier was used first. Running it with all features yielded x accuracy. Running it with the top 5 features lowered the accuracy and precision.</a:t>
+            </a:r>
+          </a:p>
+          <a:p>
+            <a:endParaRPr lang="en-US" dirty="0"/>
+          </a:p>
+          <a:p>
+            <a:r>
+              <a:rPr lang="en-US" dirty="0" err="1"/>
+              <a:t>XGBoost</a:t>
+            </a:r>
+            <a:r>
+              <a:rPr lang="en-US" dirty="0"/>
+              <a:t> was also tested, however it did not due</a:t>
+            </a:r>
           </a:p>
         </p:txBody>
       </p:sp>
@@ -19715,68 +17894,6 @@
           </a:p>
         </p:txBody>
       </p:sp>
-      <p:sp>
-        <p:nvSpPr>
-          <p:cNvPr id="2" name="Subtitle 1">
-            <a:extLst>
-              <a:ext uri="{FF2B5EF4-FFF2-40B4-BE49-F238E27FC236}">
-                <a16:creationId xmlns:a16="http://schemas.microsoft.com/office/drawing/2014/main" id="{10F9F51E-A3D5-4726-BACE-D5CDD8A46429}"/>
-              </a:ext>
-            </a:extLst>
-          </p:cNvPr>
-          <p:cNvSpPr>
-            <a:spLocks noGrp="1"/>
-          </p:cNvSpPr>
-          <p:nvPr>
-            <p:ph type="subTitle" idx="1"/>
-          </p:nvPr>
-        </p:nvSpPr>
-        <p:spPr/>
-        <p:txBody>
-          <a:bodyPr/>
-          <a:lstStyle/>
-          <a:p>
-            <a:r>
-              <a:rPr lang="en-US" dirty="0"/>
-              <a:t>Flora@contoso.com</a:t>
-            </a:r>
-          </a:p>
-        </p:txBody>
-      </p:sp>
-      <p:sp>
-        <p:nvSpPr>
-          <p:cNvPr id="5" name="Text Placeholder 4">
-            <a:extLst>
-              <a:ext uri="{FF2B5EF4-FFF2-40B4-BE49-F238E27FC236}">
-                <a16:creationId xmlns:a16="http://schemas.microsoft.com/office/drawing/2014/main" id="{F91501E1-4EA1-44EB-AF62-6F74678A2331}"/>
-              </a:ext>
-            </a:extLst>
-          </p:cNvPr>
-          <p:cNvSpPr>
-            <a:spLocks noGrp="1"/>
-          </p:cNvSpPr>
-          <p:nvPr>
-            <p:ph type="body" sz="quarter" idx="11"/>
-          </p:nvPr>
-        </p:nvSpPr>
-        <p:spPr/>
-        <p:txBody>
-          <a:bodyPr/>
-          <a:lstStyle/>
-          <a:p>
-            <a:r>
-              <a:rPr lang="en-US" dirty="0">
-                <a:hlinkClick r:id="rId4"/>
-              </a:rPr>
-              <a:t>http://www.contoso.com/</a:t>
-            </a:r>
-            <a:r>
-              <a:rPr lang="en-US" dirty="0"/>
-              <a:t> </a:t>
-            </a:r>
-          </a:p>
-        </p:txBody>
-      </p:sp>
     </p:spTree>
     <p:extLst>
       <p:ext uri="{BB962C8B-B14F-4D97-AF65-F5344CB8AC3E}">
@@ -20471,7 +18588,7 @@
           <a:p>
             <a:r>
               <a:rPr lang="en-US" dirty="0"/>
-              <a:t>Content 02</a:t>
+              <a:t>The data </a:t>
             </a:r>
             <a:br>
               <a:rPr lang="en-US" dirty="0"/>
@@ -20510,27 +18627,12 @@
               <a:buNone/>
             </a:pPr>
             <a:r>
-              <a:rPr lang="en-US" sz="1800" dirty="0"/>
-              <a:t>Lorem ipsum dolor sit amet, consectetuer adipiscing elit. Maecenas porttitor congue massa. Fusce posuere, magna sed pulvinar ultricies, purus lectus malesuada libero, sit amet commodo magna eros quis urna.</a:t>
+              <a:rPr lang="en-US" sz="1800" dirty="0">
+                <a:hlinkClick r:id="rId3"/>
+              </a:rPr>
+              <a:t>The Lifestyle and Wellbeing data</a:t>
             </a:r>
-          </a:p>
-          <a:p>
-            <a:pPr marL="0" indent="0">
-              <a:buNone/>
-            </a:pPr>
-            <a:r>
-              <a:rPr lang="en-US" sz="1800" dirty="0"/>
-              <a:t>Nunc viverra imperdiet enim. Fusce est. Vivamus a tellus.</a:t>
-            </a:r>
-          </a:p>
-          <a:p>
-            <a:pPr marL="0" indent="0">
-              <a:buNone/>
-            </a:pPr>
-            <a:r>
-              <a:rPr lang="en-US" sz="1800" dirty="0"/>
-              <a:t>Pellentesque habitant morbi tristique senectus et netus et malesuada fames ac turpis egestas. Proin pharetra nonummy pede. Mauris et orci.</a:t>
-            </a:r>
+            <a:endParaRPr lang="en-US" sz="1800" dirty="0"/>
           </a:p>
           <a:p>
             <a:pPr marL="0" indent="0">
@@ -20557,7 +18659,7 @@
           </p:nvPr>
         </p:nvPicPr>
         <p:blipFill>
-          <a:blip r:embed="rId3" cstate="print">
+          <a:blip r:embed="rId4" cstate="print">
             <a:extLst>
               <a:ext uri="{28A0092B-C50C-407E-A947-70E740481C1C}">
                 <a14:useLocalDpi xmlns:a14="http://schemas.microsoft.com/office/drawing/2010/main"/>
@@ -20648,7 +18750,7 @@
           <a:p>
             <a:r>
               <a:rPr lang="en-US" dirty="0"/>
-              <a:t>Table</a:t>
+              <a:t>Lifestyle &amp; wellbeing data</a:t>
             </a:r>
           </a:p>
         </p:txBody>
@@ -24057,10 +22159,10 @@
       </p:grpSpPr>
       <p:sp>
         <p:nvSpPr>
-          <p:cNvPr id="2" name="Title 1">
+          <p:cNvPr id="3" name="Subtitle 2">
             <a:extLst>
               <a:ext uri="{FF2B5EF4-FFF2-40B4-BE49-F238E27FC236}">
-                <a16:creationId xmlns:a16="http://schemas.microsoft.com/office/drawing/2014/main" id="{4332B532-EB3E-428B-9224-EFA237D16A73}"/>
+                <a16:creationId xmlns:a16="http://schemas.microsoft.com/office/drawing/2014/main" id="{BF3AB9D0-0FF2-8AC8-E50E-BF63AEC1FAC6}"/>
               </a:ext>
             </a:extLst>
           </p:cNvPr>
@@ -24068,111 +22170,596 @@
             <a:spLocks noGrp="1"/>
           </p:cNvSpPr>
           <p:nvPr>
-            <p:ph type="title"/>
+            <p:ph type="subTitle" idx="1"/>
           </p:nvPr>
         </p:nvSpPr>
-        <p:spPr/>
+        <p:spPr>
+          <a:xfrm>
+            <a:off x="82059" y="750277"/>
+            <a:ext cx="2285999" cy="832338"/>
+          </a:xfrm>
+        </p:spPr>
         <p:txBody>
-          <a:bodyPr/>
+          <a:bodyPr>
+            <a:normAutofit/>
+          </a:bodyPr>
           <a:lstStyle/>
           <a:p>
             <a:r>
-              <a:rPr lang="en-US" dirty="0"/>
-              <a:t>Chart</a:t>
+              <a:rPr lang="en-CA" b="1" dirty="0"/>
+              <a:t>TOTAL # OF SURVEY RESPONSES (TEXT)</a:t>
             </a:r>
+          </a:p>
+          <a:p>
+            <a:endParaRPr lang="en-CA" sz="1600" b="1" dirty="0"/>
           </a:p>
         </p:txBody>
       </p:sp>
-      <p:graphicFrame>
-        <p:nvGraphicFramePr>
-          <p:cNvPr id="6" name="Chart 5" descr="column chart">
+      <p:grpSp>
+        <p:nvGrpSpPr>
+          <p:cNvPr id="8" name="Group 7">
             <a:extLst>
               <a:ext uri="{FF2B5EF4-FFF2-40B4-BE49-F238E27FC236}">
-                <a16:creationId xmlns:a16="http://schemas.microsoft.com/office/drawing/2014/main" id="{C062A1BC-6630-4B2A-9929-8780DBCEC3DB}"/>
+                <a16:creationId xmlns:a16="http://schemas.microsoft.com/office/drawing/2014/main" id="{63438FBA-91D3-2F01-32C8-675D263C627A}"/>
               </a:ext>
             </a:extLst>
           </p:cNvPr>
-          <p:cNvGraphicFramePr/>
-          <p:nvPr>
-            <p:extLst>
-              <p:ext uri="{D42A27DB-BD31-4B8C-83A1-F6EECF244321}">
-                <p14:modId xmlns:p14="http://schemas.microsoft.com/office/powerpoint/2010/main" val="2098510050"/>
-              </p:ext>
-            </p:extLst>
-          </p:nvPr>
-        </p:nvGraphicFramePr>
-        <p:xfrm>
-          <a:off x="515938" y="1616856"/>
-          <a:ext cx="6400677" cy="4071125"/>
-        </p:xfrm>
-        <a:graphic>
-          <a:graphicData uri="http://schemas.openxmlformats.org/drawingml/2006/chart">
-            <c:chart xmlns:c="http://schemas.openxmlformats.org/drawingml/2006/chart" xmlns:r="http://schemas.openxmlformats.org/officeDocument/2006/relationships" r:id="rId3"/>
-          </a:graphicData>
-        </a:graphic>
-      </p:graphicFrame>
-      <p:graphicFrame>
-        <p:nvGraphicFramePr>
-          <p:cNvPr id="9" name="Chart 8" descr="pie chart">
+          <p:cNvGrpSpPr/>
+          <p:nvPr/>
+        </p:nvGrpSpPr>
+        <p:grpSpPr>
+          <a:xfrm>
+            <a:off x="2645915" y="194714"/>
+            <a:ext cx="2128860" cy="2607101"/>
+            <a:chOff x="3036277" y="155453"/>
+            <a:chExt cx="1711569" cy="2037247"/>
+          </a:xfrm>
+        </p:grpSpPr>
+        <p:pic>
+          <p:nvPicPr>
+            <p:cNvPr id="5" name="Picture 4">
+              <a:extLst>
+                <a:ext uri="{FF2B5EF4-FFF2-40B4-BE49-F238E27FC236}">
+                  <a16:creationId xmlns:a16="http://schemas.microsoft.com/office/drawing/2014/main" id="{706C3353-7848-A763-541B-29B4BA1C05A8}"/>
+                </a:ext>
+              </a:extLst>
+            </p:cNvPr>
+            <p:cNvPicPr>
+              <a:picLocks noChangeAspect="1"/>
+            </p:cNvPicPr>
+            <p:nvPr/>
+          </p:nvPicPr>
+          <p:blipFill rotWithShape="1">
+            <a:blip r:embed="rId3"/>
+            <a:srcRect l="28794" t="14888" r="29210" b="11990"/>
+            <a:stretch/>
+          </p:blipFill>
+          <p:spPr>
+            <a:xfrm>
+              <a:off x="3059723" y="155453"/>
+              <a:ext cx="1664678" cy="1664677"/>
+            </a:xfrm>
+            <a:prstGeom prst="rect">
+              <a:avLst/>
+            </a:prstGeom>
+          </p:spPr>
+        </p:pic>
+        <p:sp>
+          <p:nvSpPr>
+            <p:cNvPr id="7" name="TextBox 6">
+              <a:extLst>
+                <a:ext uri="{FF2B5EF4-FFF2-40B4-BE49-F238E27FC236}">
+                  <a16:creationId xmlns:a16="http://schemas.microsoft.com/office/drawing/2014/main" id="{BE955EF7-7307-B1AB-1B34-A44431FA6A27}"/>
+                </a:ext>
+              </a:extLst>
+            </p:cNvPr>
+            <p:cNvSpPr txBox="1"/>
+            <p:nvPr/>
+          </p:nvSpPr>
+          <p:spPr>
+            <a:xfrm>
+              <a:off x="3036277" y="1731035"/>
+              <a:ext cx="1711569" cy="461665"/>
+            </a:xfrm>
+            <a:prstGeom prst="rect">
+              <a:avLst/>
+            </a:prstGeom>
+            <a:noFill/>
+          </p:spPr>
+          <p:txBody>
+            <a:bodyPr wrap="square" rtlCol="0">
+              <a:spAutoFit/>
+            </a:bodyPr>
+            <a:lstStyle/>
+            <a:p>
+              <a:pPr algn="ctr"/>
+              <a:r>
+                <a:rPr lang="en-CA" sz="1200" dirty="0"/>
+                <a:t>Division of respondents by age group</a:t>
+              </a:r>
+            </a:p>
+          </p:txBody>
+        </p:sp>
+      </p:grpSp>
+      <p:grpSp>
+        <p:nvGrpSpPr>
+          <p:cNvPr id="11" name="Group 10">
             <a:extLst>
               <a:ext uri="{FF2B5EF4-FFF2-40B4-BE49-F238E27FC236}">
-                <a16:creationId xmlns:a16="http://schemas.microsoft.com/office/drawing/2014/main" id="{DCCB6637-D8E6-4BF1-9EF6-E5654DE57B60}"/>
+                <a16:creationId xmlns:a16="http://schemas.microsoft.com/office/drawing/2014/main" id="{FD91CE8F-CBA0-5B76-D8D7-3803217DB6F9}"/>
               </a:ext>
             </a:extLst>
           </p:cNvPr>
-          <p:cNvGraphicFramePr/>
-          <p:nvPr>
-            <p:extLst>
-              <p:ext uri="{D42A27DB-BD31-4B8C-83A1-F6EECF244321}">
-                <p14:modId xmlns:p14="http://schemas.microsoft.com/office/powerpoint/2010/main" val="1467600994"/>
-              </p:ext>
-            </p:extLst>
-          </p:nvPr>
-        </p:nvGraphicFramePr>
-        <p:xfrm>
-          <a:off x="6085314" y="1603524"/>
-          <a:ext cx="6106686" cy="4071125"/>
-        </p:xfrm>
-        <a:graphic>
-          <a:graphicData uri="http://schemas.openxmlformats.org/drawingml/2006/chart">
-            <c:chart xmlns:c="http://schemas.openxmlformats.org/drawingml/2006/chart" xmlns:r="http://schemas.openxmlformats.org/officeDocument/2006/relationships" r:id="rId4"/>
-          </a:graphicData>
-        </a:graphic>
-      </p:graphicFrame>
+          <p:cNvGrpSpPr/>
+          <p:nvPr/>
+        </p:nvGrpSpPr>
+        <p:grpSpPr>
+          <a:xfrm>
+            <a:off x="5158055" y="177129"/>
+            <a:ext cx="2452116" cy="3117056"/>
+            <a:chOff x="6881449" y="206437"/>
+            <a:chExt cx="2261989" cy="2787413"/>
+          </a:xfrm>
+        </p:grpSpPr>
+        <p:pic>
+          <p:nvPicPr>
+            <p:cNvPr id="9" name="Picture 8">
+              <a:extLst>
+                <a:ext uri="{FF2B5EF4-FFF2-40B4-BE49-F238E27FC236}">
+                  <a16:creationId xmlns:a16="http://schemas.microsoft.com/office/drawing/2014/main" id="{D74D1163-AF29-685D-EB07-8C5FC50D2382}"/>
+                </a:ext>
+              </a:extLst>
+            </p:cNvPr>
+            <p:cNvPicPr>
+              <a:picLocks noChangeAspect="1"/>
+            </p:cNvPicPr>
+            <p:nvPr/>
+          </p:nvPicPr>
+          <p:blipFill>
+            <a:blip r:embed="rId4"/>
+            <a:stretch>
+              <a:fillRect/>
+            </a:stretch>
+          </p:blipFill>
+          <p:spPr>
+            <a:xfrm>
+              <a:off x="6881449" y="206437"/>
+              <a:ext cx="2261989" cy="2231963"/>
+            </a:xfrm>
+            <a:prstGeom prst="rect">
+              <a:avLst/>
+            </a:prstGeom>
+          </p:spPr>
+        </p:pic>
+        <p:sp>
+          <p:nvSpPr>
+            <p:cNvPr id="10" name="TextBox 9">
+              <a:extLst>
+                <a:ext uri="{FF2B5EF4-FFF2-40B4-BE49-F238E27FC236}">
+                  <a16:creationId xmlns:a16="http://schemas.microsoft.com/office/drawing/2014/main" id="{5C7F578A-8CB7-4E97-F855-E2A8CE3DFB50}"/>
+                </a:ext>
+              </a:extLst>
+            </p:cNvPr>
+            <p:cNvSpPr txBox="1"/>
+            <p:nvPr/>
+          </p:nvSpPr>
+          <p:spPr>
+            <a:xfrm>
+              <a:off x="6881449" y="2532185"/>
+              <a:ext cx="2261989" cy="461665"/>
+            </a:xfrm>
+            <a:prstGeom prst="rect">
+              <a:avLst/>
+            </a:prstGeom>
+            <a:noFill/>
+          </p:spPr>
+          <p:txBody>
+            <a:bodyPr wrap="square" rtlCol="0">
+              <a:spAutoFit/>
+            </a:bodyPr>
+            <a:lstStyle/>
+            <a:p>
+              <a:pPr algn="ctr"/>
+              <a:r>
+                <a:rPr lang="en-CA" sz="1200" dirty="0"/>
+                <a:t>Distribution of respondents in the 3 balance score ranges</a:t>
+              </a:r>
+            </a:p>
+          </p:txBody>
+        </p:sp>
+      </p:grpSp>
+      <p:grpSp>
+        <p:nvGrpSpPr>
+          <p:cNvPr id="14" name="Group 13">
+            <a:extLst>
+              <a:ext uri="{FF2B5EF4-FFF2-40B4-BE49-F238E27FC236}">
+                <a16:creationId xmlns:a16="http://schemas.microsoft.com/office/drawing/2014/main" id="{201EE92C-AF04-8620-5B15-B8F3D5A1D77E}"/>
+              </a:ext>
+            </a:extLst>
+          </p:cNvPr>
+          <p:cNvGrpSpPr/>
+          <p:nvPr/>
+        </p:nvGrpSpPr>
+        <p:grpSpPr>
+          <a:xfrm>
+            <a:off x="7993451" y="407767"/>
+            <a:ext cx="3600672" cy="2495918"/>
+            <a:chOff x="7803324" y="314541"/>
+            <a:chExt cx="3515028" cy="2233050"/>
+          </a:xfrm>
+        </p:grpSpPr>
+        <p:pic>
+          <p:nvPicPr>
+            <p:cNvPr id="12" name="Picture 11">
+              <a:extLst>
+                <a:ext uri="{FF2B5EF4-FFF2-40B4-BE49-F238E27FC236}">
+                  <a16:creationId xmlns:a16="http://schemas.microsoft.com/office/drawing/2014/main" id="{A7E89A8E-C8AA-16CB-6275-26B8AB279027}"/>
+                </a:ext>
+              </a:extLst>
+            </p:cNvPr>
+            <p:cNvPicPr>
+              <a:picLocks noChangeAspect="1"/>
+            </p:cNvPicPr>
+            <p:nvPr/>
+          </p:nvPicPr>
+          <p:blipFill>
+            <a:blip r:embed="rId5"/>
+            <a:stretch>
+              <a:fillRect/>
+            </a:stretch>
+          </p:blipFill>
+          <p:spPr>
+            <a:xfrm>
+              <a:off x="7803324" y="314541"/>
+              <a:ext cx="3515028" cy="1952794"/>
+            </a:xfrm>
+            <a:prstGeom prst="rect">
+              <a:avLst/>
+            </a:prstGeom>
+          </p:spPr>
+        </p:pic>
+        <p:sp>
+          <p:nvSpPr>
+            <p:cNvPr id="13" name="TextBox 12">
+              <a:extLst>
+                <a:ext uri="{FF2B5EF4-FFF2-40B4-BE49-F238E27FC236}">
+                  <a16:creationId xmlns:a16="http://schemas.microsoft.com/office/drawing/2014/main" id="{A178D886-6E1D-E4FE-2452-D56C05EF3463}"/>
+                </a:ext>
+              </a:extLst>
+            </p:cNvPr>
+            <p:cNvSpPr txBox="1"/>
+            <p:nvPr/>
+          </p:nvSpPr>
+          <p:spPr>
+            <a:xfrm>
+              <a:off x="8194430" y="2270592"/>
+              <a:ext cx="2930769" cy="276999"/>
+            </a:xfrm>
+            <a:prstGeom prst="rect">
+              <a:avLst/>
+            </a:prstGeom>
+            <a:noFill/>
+          </p:spPr>
+          <p:txBody>
+            <a:bodyPr wrap="square" rtlCol="0">
+              <a:spAutoFit/>
+            </a:bodyPr>
+            <a:lstStyle/>
+            <a:p>
+              <a:pPr algn="ctr"/>
+              <a:r>
+                <a:rPr lang="en-CA" sz="1200" dirty="0"/>
+                <a:t>Average of balance scores overtime</a:t>
+              </a:r>
+            </a:p>
+          </p:txBody>
+        </p:sp>
+      </p:grpSp>
+      <p:grpSp>
+        <p:nvGrpSpPr>
+          <p:cNvPr id="24" name="Group 23">
+            <a:extLst>
+              <a:ext uri="{FF2B5EF4-FFF2-40B4-BE49-F238E27FC236}">
+                <a16:creationId xmlns:a16="http://schemas.microsoft.com/office/drawing/2014/main" id="{2CD1951E-5D1A-7188-331A-E9254FA97220}"/>
+              </a:ext>
+            </a:extLst>
+          </p:cNvPr>
+          <p:cNvGrpSpPr/>
+          <p:nvPr/>
+        </p:nvGrpSpPr>
+        <p:grpSpPr>
+          <a:xfrm>
+            <a:off x="525470" y="2974869"/>
+            <a:ext cx="4451735" cy="3716524"/>
+            <a:chOff x="294938" y="2733710"/>
+            <a:chExt cx="4748898" cy="3947356"/>
+          </a:xfrm>
+        </p:grpSpPr>
+        <p:sp>
+          <p:nvSpPr>
+            <p:cNvPr id="19" name="TextBox 18">
+              <a:extLst>
+                <a:ext uri="{FF2B5EF4-FFF2-40B4-BE49-F238E27FC236}">
+                  <a16:creationId xmlns:a16="http://schemas.microsoft.com/office/drawing/2014/main" id="{306D9FF7-02A9-7008-0D7F-ECFCFC9EC6D1}"/>
+                </a:ext>
+              </a:extLst>
+            </p:cNvPr>
+            <p:cNvSpPr txBox="1"/>
+            <p:nvPr/>
+          </p:nvSpPr>
+          <p:spPr>
+            <a:xfrm>
+              <a:off x="1213823" y="6219401"/>
+              <a:ext cx="2686208" cy="461665"/>
+            </a:xfrm>
+            <a:prstGeom prst="rect">
+              <a:avLst/>
+            </a:prstGeom>
+            <a:noFill/>
+          </p:spPr>
+          <p:txBody>
+            <a:bodyPr wrap="square" rtlCol="0">
+              <a:spAutoFit/>
+            </a:bodyPr>
+            <a:lstStyle/>
+            <a:p>
+              <a:pPr algn="ctr"/>
+              <a:r>
+                <a:rPr lang="en-CA" sz="1200" dirty="0"/>
+                <a:t>Frequency of categorical responses based on balance score range</a:t>
+              </a:r>
+            </a:p>
+          </p:txBody>
+        </p:sp>
+        <p:pic>
+          <p:nvPicPr>
+            <p:cNvPr id="21" name="Picture 20">
+              <a:extLst>
+                <a:ext uri="{FF2B5EF4-FFF2-40B4-BE49-F238E27FC236}">
+                  <a16:creationId xmlns:a16="http://schemas.microsoft.com/office/drawing/2014/main" id="{8FEE3069-F7B5-A254-3530-89EBB38F3F34}"/>
+                </a:ext>
+              </a:extLst>
+            </p:cNvPr>
+            <p:cNvPicPr>
+              <a:picLocks noChangeAspect="1"/>
+            </p:cNvPicPr>
+            <p:nvPr/>
+          </p:nvPicPr>
+          <p:blipFill rotWithShape="1">
+            <a:blip r:embed="rId6"/>
+            <a:srcRect l="8935" t="8034" b="10940"/>
+            <a:stretch/>
+          </p:blipFill>
+          <p:spPr>
+            <a:xfrm>
+              <a:off x="294938" y="2733710"/>
+              <a:ext cx="2261989" cy="1698612"/>
+            </a:xfrm>
+            <a:prstGeom prst="rect">
+              <a:avLst/>
+            </a:prstGeom>
+          </p:spPr>
+        </p:pic>
+        <p:pic>
+          <p:nvPicPr>
+            <p:cNvPr id="22" name="Picture 21">
+              <a:extLst>
+                <a:ext uri="{FF2B5EF4-FFF2-40B4-BE49-F238E27FC236}">
+                  <a16:creationId xmlns:a16="http://schemas.microsoft.com/office/drawing/2014/main" id="{ADAF2DB8-DCD2-D638-7B90-D02DE71DDFF9}"/>
+                </a:ext>
+              </a:extLst>
+            </p:cNvPr>
+            <p:cNvPicPr>
+              <a:picLocks noChangeAspect="1"/>
+            </p:cNvPicPr>
+            <p:nvPr/>
+          </p:nvPicPr>
+          <p:blipFill rotWithShape="1">
+            <a:blip r:embed="rId6"/>
+            <a:srcRect l="8935" t="8034" b="10940"/>
+            <a:stretch/>
+          </p:blipFill>
+          <p:spPr>
+            <a:xfrm>
+              <a:off x="2781847" y="2733710"/>
+              <a:ext cx="2261989" cy="1698612"/>
+            </a:xfrm>
+            <a:prstGeom prst="rect">
+              <a:avLst/>
+            </a:prstGeom>
+          </p:spPr>
+        </p:pic>
+        <p:pic>
+          <p:nvPicPr>
+            <p:cNvPr id="23" name="Picture 22">
+              <a:extLst>
+                <a:ext uri="{FF2B5EF4-FFF2-40B4-BE49-F238E27FC236}">
+                  <a16:creationId xmlns:a16="http://schemas.microsoft.com/office/drawing/2014/main" id="{6ED62B9A-4288-F553-3550-A054C1B99A5F}"/>
+                </a:ext>
+              </a:extLst>
+            </p:cNvPr>
+            <p:cNvPicPr>
+              <a:picLocks noChangeAspect="1"/>
+            </p:cNvPicPr>
+            <p:nvPr/>
+          </p:nvPicPr>
+          <p:blipFill rotWithShape="1">
+            <a:blip r:embed="rId6"/>
+            <a:srcRect l="8935" t="8034" b="10940"/>
+            <a:stretch/>
+          </p:blipFill>
+          <p:spPr>
+            <a:xfrm>
+              <a:off x="1576564" y="4448105"/>
+              <a:ext cx="2261989" cy="1698612"/>
+            </a:xfrm>
+            <a:prstGeom prst="rect">
+              <a:avLst/>
+            </a:prstGeom>
+          </p:spPr>
+        </p:pic>
+      </p:grpSp>
+      <p:grpSp>
+        <p:nvGrpSpPr>
+          <p:cNvPr id="27" name="Group 26">
+            <a:extLst>
+              <a:ext uri="{FF2B5EF4-FFF2-40B4-BE49-F238E27FC236}">
+                <a16:creationId xmlns:a16="http://schemas.microsoft.com/office/drawing/2014/main" id="{D2F58AB7-74B2-AD2E-8B7E-CB8FD189FDA5}"/>
+              </a:ext>
+            </a:extLst>
+          </p:cNvPr>
+          <p:cNvGrpSpPr/>
+          <p:nvPr/>
+        </p:nvGrpSpPr>
+        <p:grpSpPr>
+          <a:xfrm>
+            <a:off x="6128620" y="3466324"/>
+            <a:ext cx="4874995" cy="3254607"/>
+            <a:chOff x="6128620" y="3466324"/>
+            <a:chExt cx="4874995" cy="3254607"/>
+          </a:xfrm>
+        </p:grpSpPr>
+        <p:pic>
+          <p:nvPicPr>
+            <p:cNvPr id="25" name="Picture 24">
+              <a:extLst>
+                <a:ext uri="{FF2B5EF4-FFF2-40B4-BE49-F238E27FC236}">
+                  <a16:creationId xmlns:a16="http://schemas.microsoft.com/office/drawing/2014/main" id="{28477AA3-B269-60E4-C343-E0044978650B}"/>
+                </a:ext>
+              </a:extLst>
+            </p:cNvPr>
+            <p:cNvPicPr>
+              <a:picLocks noChangeAspect="1"/>
+            </p:cNvPicPr>
+            <p:nvPr/>
+          </p:nvPicPr>
+          <p:blipFill>
+            <a:blip r:embed="rId7"/>
+            <a:stretch>
+              <a:fillRect/>
+            </a:stretch>
+          </p:blipFill>
+          <p:spPr>
+            <a:xfrm>
+              <a:off x="6128620" y="3466324"/>
+              <a:ext cx="4874995" cy="2790401"/>
+            </a:xfrm>
+            <a:prstGeom prst="rect">
+              <a:avLst/>
+            </a:prstGeom>
+          </p:spPr>
+        </p:pic>
+        <p:sp>
+          <p:nvSpPr>
+            <p:cNvPr id="26" name="TextBox 25">
+              <a:extLst>
+                <a:ext uri="{FF2B5EF4-FFF2-40B4-BE49-F238E27FC236}">
+                  <a16:creationId xmlns:a16="http://schemas.microsoft.com/office/drawing/2014/main" id="{26DE2B72-96AC-1608-2391-8416F276713F}"/>
+                </a:ext>
+              </a:extLst>
+            </p:cNvPr>
+            <p:cNvSpPr txBox="1"/>
+            <p:nvPr/>
+          </p:nvSpPr>
+          <p:spPr>
+            <a:xfrm>
+              <a:off x="6290938" y="6259266"/>
+              <a:ext cx="4712677" cy="461665"/>
+            </a:xfrm>
+            <a:prstGeom prst="rect">
+              <a:avLst/>
+            </a:prstGeom>
+            <a:noFill/>
+          </p:spPr>
+          <p:txBody>
+            <a:bodyPr wrap="square" rtlCol="0">
+              <a:spAutoFit/>
+            </a:bodyPr>
+            <a:lstStyle/>
+            <a:p>
+              <a:pPr algn="ctr"/>
+              <a:r>
+                <a:rPr lang="en-CA" sz="1200" dirty="0"/>
+                <a:t>Average rating for each category for each of the balance score ranges (each ‘stack’ within each bar = 1 balance score range)</a:t>
+              </a:r>
+            </a:p>
+          </p:txBody>
+        </p:sp>
+      </p:grpSp>
       <p:sp>
         <p:nvSpPr>
-          <p:cNvPr id="3" name="Slide Number Placeholder 2">
+          <p:cNvPr id="2" name="TextBox 1">
             <a:extLst>
               <a:ext uri="{FF2B5EF4-FFF2-40B4-BE49-F238E27FC236}">
-                <a16:creationId xmlns:a16="http://schemas.microsoft.com/office/drawing/2014/main" id="{EB5F9B50-CED9-4961-91E8-058BE256771F}"/>
+                <a16:creationId xmlns:a16="http://schemas.microsoft.com/office/drawing/2014/main" id="{969C0BB8-B40F-C3C1-9A9F-435D7EF44FD4}"/>
               </a:ext>
             </a:extLst>
           </p:cNvPr>
-          <p:cNvSpPr>
-            <a:spLocks noGrp="1"/>
-          </p:cNvSpPr>
-          <p:nvPr>
-            <p:ph type="sldNum" sz="quarter" idx="12"/>
-          </p:nvPr>
+          <p:cNvSpPr txBox="1"/>
+          <p:nvPr/>
         </p:nvSpPr>
-        <p:spPr/>
+        <p:spPr>
+          <a:xfrm>
+            <a:off x="8394086" y="3868118"/>
+            <a:ext cx="3998277" cy="400110"/>
+          </a:xfrm>
+          <a:prstGeom prst="rect">
+            <a:avLst/>
+          </a:prstGeom>
+          <a:noFill/>
+        </p:spPr>
         <p:txBody>
-          <a:bodyPr/>
+          <a:bodyPr wrap="square" rtlCol="0">
+            <a:spAutoFit/>
+          </a:bodyPr>
           <a:lstStyle/>
           <a:p>
-            <a:fld id="{9EC71654-96A5-4280-94F3-931C61A9F92C}" type="slidenum">
-              <a:rPr lang="en-US" smtClean="0"/>
-              <a:pPr/>
-              <a:t>6</a:t>
-            </a:fld>
-            <a:endParaRPr lang="en-US" dirty="0"/>
+            <a:r>
+              <a:rPr lang="en-CA" sz="1000" dirty="0"/>
+              <a:t>* Opportunity to make interactive: can allow users to select between ‘good’ and ‘bad’ category from dropdown to see stats for selection.</a:t>
+            </a:r>
+          </a:p>
+        </p:txBody>
+      </p:sp>
+      <p:sp>
+        <p:nvSpPr>
+          <p:cNvPr id="4" name="TextBox 3">
+            <a:extLst>
+              <a:ext uri="{FF2B5EF4-FFF2-40B4-BE49-F238E27FC236}">
+                <a16:creationId xmlns:a16="http://schemas.microsoft.com/office/drawing/2014/main" id="{0C405928-842A-30A4-70FB-E8D59B05FDB9}"/>
+              </a:ext>
+            </a:extLst>
+          </p:cNvPr>
+          <p:cNvSpPr txBox="1"/>
+          <p:nvPr/>
+        </p:nvSpPr>
+        <p:spPr>
+          <a:xfrm>
+            <a:off x="2623221" y="4746289"/>
+            <a:ext cx="3760892" cy="400110"/>
+          </a:xfrm>
+          <a:prstGeom prst="rect">
+            <a:avLst/>
+          </a:prstGeom>
+          <a:noFill/>
+        </p:spPr>
+        <p:txBody>
+          <a:bodyPr wrap="square" rtlCol="0">
+            <a:spAutoFit/>
+          </a:bodyPr>
+          <a:lstStyle/>
+          <a:p>
+            <a:r>
+              <a:rPr lang="en-CA" sz="1000" dirty="0"/>
+              <a:t>* Opportunity to make interactive: can allow users to select between ‘good’ and ‘bad’ category from dropdown to see stats for selection.</a:t>
+            </a:r>
           </a:p>
         </p:txBody>
       </p:sp>
     </p:spTree>
     <p:extLst>
       <p:ext uri="{BB962C8B-B14F-4D97-AF65-F5344CB8AC3E}">
-        <p14:creationId xmlns:p14="http://schemas.microsoft.com/office/powerpoint/2010/main" val="1169930804"/>
+        <p14:creationId xmlns:p14="http://schemas.microsoft.com/office/powerpoint/2010/main" val="1205647749"/>
       </p:ext>
     </p:extLst>
   </p:cSld>
@@ -24226,7 +22813,7 @@
             </a:r>
             <a:r>
               <a:rPr lang="en-US" dirty="0" err="1"/>
-              <a:t>learing</a:t>
+              <a:t>learNing</a:t>
             </a:r>
             <a:r>
               <a:rPr lang="en-US" dirty="0"/>
@@ -24266,13 +22853,8 @@
             </a:r>
             <a:r>
               <a:rPr lang="en-US" dirty="0"/>
-              <a:t> to see how best to predict an individual’s work/</a:t>
+              <a:t> to see how best to predict an individual’s work/life balance. Classification/supervised models. Looking at higher precision.</a:t>
             </a:r>
-            <a:r>
-              <a:rPr lang="en-US"/>
-              <a:t>life balance.</a:t>
-            </a:r>
-            <a:endParaRPr lang="en-US" dirty="0"/>
           </a:p>
         </p:txBody>
       </p:sp>
@@ -25761,23 +24343,6 @@
 </file>
 
 <file path=customXml/item1.xml><?xml version="1.0" encoding="utf-8"?>
-<p:properties xmlns:p="http://schemas.microsoft.com/office/2006/metadata/properties" xmlns:xsi="http://www.w3.org/2001/XMLSchema-instance" xmlns:pc="http://schemas.microsoft.com/office/infopath/2007/PartnerControls">
-  <documentManagement>
-    <MediaServiceKeyPoints xmlns="71af3243-3dd4-4a8d-8c0d-dd76da1f02a5" xsi:nil="true"/>
-  </documentManagement>
-</p:properties>
-</file>
-
-<file path=customXml/item2.xml><?xml version="1.0" encoding="utf-8"?>
-<?mso-contentType ?>
-<FormTemplates xmlns="http://schemas.microsoft.com/sharepoint/v3/contenttype/forms">
-  <Display>DocumentLibraryForm</Display>
-  <Edit>DocumentLibraryForm</Edit>
-  <New>DocumentLibraryForm</New>
-</FormTemplates>
-</file>
-
-<file path=customXml/item3.xml><?xml version="1.0" encoding="utf-8"?>
 <ct:contentTypeSchema xmlns:ct="http://schemas.microsoft.com/office/2006/metadata/contentType" xmlns:ma="http://schemas.microsoft.com/office/2006/metadata/properties/metaAttributes" ct:_="" ma:_="" ma:contentTypeName="Document" ma:contentTypeID="0x01010079F111ED35F8CC479449609E8A0923A6" ma:contentTypeVersion="11" ma:contentTypeDescription="Create a new document." ma:contentTypeScope="" ma:versionID="9677210f24a1be23c92c90fd886aa0aa">
   <xsd:schema xmlns:xsd="http://www.w3.org/2001/XMLSchema" xmlns:xs="http://www.w3.org/2001/XMLSchema" xmlns:p="http://schemas.microsoft.com/office/2006/metadata/properties" xmlns:ns2="71af3243-3dd4-4a8d-8c0d-dd76da1f02a5" xmlns:ns3="16c05727-aa75-4e4a-9b5f-8a80a1165891" targetNamespace="http://schemas.microsoft.com/office/2006/metadata/properties" ma:root="true" ma:fieldsID="60e05723c5c1908df1a1a4ebf11d344e" ns2:_="" ns3:_="">
     <xsd:import namespace="71af3243-3dd4-4a8d-8c0d-dd76da1f02a5"/>
@@ -25988,25 +24553,24 @@
 </ct:contentTypeSchema>
 </file>
 
-<file path=customXml/itemProps1.xml><?xml version="1.0" encoding="utf-8"?>
-<ds:datastoreItem xmlns:ds="http://schemas.openxmlformats.org/officeDocument/2006/customXml" ds:itemID="{CEA9B47F-3DD8-4645-81DC-B88780643C07}">
-  <ds:schemaRefs>
-    <ds:schemaRef ds:uri="http://schemas.microsoft.com/office/2006/metadata/properties"/>
-    <ds:schemaRef ds:uri="http://schemas.microsoft.com/office/infopath/2007/PartnerControls"/>
-    <ds:schemaRef ds:uri="71af3243-3dd4-4a8d-8c0d-dd76da1f02a5"/>
-  </ds:schemaRefs>
-</ds:datastoreItem>
+<file path=customXml/item2.xml><?xml version="1.0" encoding="utf-8"?>
+<?mso-contentType ?>
+<FormTemplates xmlns="http://schemas.microsoft.com/sharepoint/v3/contenttype/forms">
+  <Display>DocumentLibraryForm</Display>
+  <Edit>DocumentLibraryForm</Edit>
+  <New>DocumentLibraryForm</New>
+</FormTemplates>
 </file>
 
-<file path=customXml/itemProps2.xml><?xml version="1.0" encoding="utf-8"?>
-<ds:datastoreItem xmlns:ds="http://schemas.openxmlformats.org/officeDocument/2006/customXml" ds:itemID="{B0C07E3D-60A7-4F4E-8208-D9CCD01982CB}">
-  <ds:schemaRefs>
-    <ds:schemaRef ds:uri="http://schemas.microsoft.com/sharepoint/v3/contenttype/forms"/>
-  </ds:schemaRefs>
-</ds:datastoreItem>
+<file path=customXml/item3.xml><?xml version="1.0" encoding="utf-8"?>
+<p:properties xmlns:p="http://schemas.microsoft.com/office/2006/metadata/properties" xmlns:xsi="http://www.w3.org/2001/XMLSchema-instance" xmlns:pc="http://schemas.microsoft.com/office/infopath/2007/PartnerControls">
+  <documentManagement>
+    <MediaServiceKeyPoints xmlns="71af3243-3dd4-4a8d-8c0d-dd76da1f02a5" xsi:nil="true"/>
+  </documentManagement>
+</p:properties>
 </file>
 
-<file path=customXml/itemProps3.xml><?xml version="1.0" encoding="utf-8"?>
+<file path=customXml/itemProps1.xml><?xml version="1.0" encoding="utf-8"?>
 <ds:datastoreItem xmlns:ds="http://schemas.openxmlformats.org/officeDocument/2006/customXml" ds:itemID="{631071E6-22AE-499A-B09C-BF21CF5F7483}">
   <ds:schemaRefs>
     <ds:schemaRef ds:uri="http://schemas.microsoft.com/office/2006/metadata/contentType"/>
@@ -26023,4 +24587,22 @@
     <ds:schemaRef ds:uri="http://schemas.microsoft.com/internal/obd"/>
   </ds:schemaRefs>
 </ds:datastoreItem>
+</file>
+
+<file path=customXml/itemProps2.xml><?xml version="1.0" encoding="utf-8"?>
+<ds:datastoreItem xmlns:ds="http://schemas.openxmlformats.org/officeDocument/2006/customXml" ds:itemID="{B0C07E3D-60A7-4F4E-8208-D9CCD01982CB}">
+  <ds:schemaRefs>
+    <ds:schemaRef ds:uri="http://schemas.microsoft.com/sharepoint/v3/contenttype/forms"/>
+  </ds:schemaRefs>
+</ds:datastoreItem>
+</file>
+
+<file path=customXml/itemProps3.xml><?xml version="1.0" encoding="utf-8"?>
+<ds:datastoreItem xmlns:ds="http://schemas.openxmlformats.org/officeDocument/2006/customXml" ds:itemID="{CEA9B47F-3DD8-4645-81DC-B88780643C07}">
+  <ds:schemaRefs>
+    <ds:schemaRef ds:uri="http://schemas.microsoft.com/office/2006/metadata/properties"/>
+    <ds:schemaRef ds:uri="http://schemas.microsoft.com/office/infopath/2007/PartnerControls"/>
+    <ds:schemaRef ds:uri="71af3243-3dd4-4a8d-8c0d-dd76da1f02a5"/>
+  </ds:schemaRefs>
+</ds:datastoreItem>
 </file>
--- a/slide_deck/final-project-presentation.pptx
+++ b/slide_deck/final-project-presentation.pptx
@@ -18941,13 +18941,13 @@
   <p:clrMapOvr>
     <a:masterClrMapping/>
   </p:clrMapOvr>
-  <mc:AlternateContent xmlns:mc="http://schemas.openxmlformats.org/markup-compatibility/2006">
-    <mc:Choice xmlns:p14="http://schemas.microsoft.com/office/powerpoint/2010/main" Requires="p14">
+  <mc:AlternateContent xmlns:mc="http://schemas.openxmlformats.org/markup-compatibility/2006" xmlns:p14="http://schemas.microsoft.com/office/powerpoint/2010/main">
+    <mc:Choice Requires="p14">
       <p:transition spd="med" p14:dur="700">
         <p:fade/>
       </p:transition>
     </mc:Choice>
-    <mc:Fallback>
+    <mc:Fallback xmlns="">
       <p:transition spd="med">
         <p:fade/>
       </p:transition>
@@ -19105,13 +19105,13 @@
   <p:clrMapOvr>
     <a:masterClrMapping/>
   </p:clrMapOvr>
-  <mc:AlternateContent xmlns:mc="http://schemas.openxmlformats.org/markup-compatibility/2006">
-    <mc:Choice xmlns:p14="http://schemas.microsoft.com/office/powerpoint/2010/main" Requires="p14">
+  <mc:AlternateContent xmlns:mc="http://schemas.openxmlformats.org/markup-compatibility/2006" xmlns:p14="http://schemas.microsoft.com/office/powerpoint/2010/main">
+    <mc:Choice Requires="p14">
       <p:transition spd="med" p14:dur="700">
         <p:fade/>
       </p:transition>
     </mc:Choice>
-    <mc:Fallback>
+    <mc:Fallback xmlns="">
       <p:transition spd="med">
         <p:fade/>
       </p:transition>
@@ -19269,13 +19269,13 @@
   <p:clrMapOvr>
     <a:masterClrMapping/>
   </p:clrMapOvr>
-  <mc:AlternateContent xmlns:mc="http://schemas.openxmlformats.org/markup-compatibility/2006">
-    <mc:Choice xmlns:p14="http://schemas.microsoft.com/office/powerpoint/2010/main" Requires="p14">
+  <mc:AlternateContent xmlns:mc="http://schemas.openxmlformats.org/markup-compatibility/2006" xmlns:p14="http://schemas.microsoft.com/office/powerpoint/2010/main">
+    <mc:Choice Requires="p14">
       <p:transition spd="med" p14:dur="700">
         <p:fade/>
       </p:transition>
     </mc:Choice>
-    <mc:Fallback>
+    <mc:Fallback xmlns="">
       <p:transition spd="med">
         <p:fade/>
       </p:transition>
@@ -19522,13 +19522,13 @@
   <p:clrMapOvr>
     <a:masterClrMapping/>
   </p:clrMapOvr>
-  <mc:AlternateContent xmlns:mc="http://schemas.openxmlformats.org/markup-compatibility/2006">
-    <mc:Choice xmlns:p14="http://schemas.microsoft.com/office/powerpoint/2010/main" Requires="p14">
+  <mc:AlternateContent xmlns:mc="http://schemas.openxmlformats.org/markup-compatibility/2006" xmlns:p14="http://schemas.microsoft.com/office/powerpoint/2010/main">
+    <mc:Choice Requires="p14">
       <p:transition spd="med" p14:dur="700">
         <p:fade/>
       </p:transition>
     </mc:Choice>
-    <mc:Fallback>
+    <mc:Fallback xmlns="">
       <p:transition spd="med">
         <p:fade/>
       </p:transition>
@@ -19666,7 +19666,7 @@
           <p:nvPr>
             <p:extLst>
               <p:ext uri="{D42A27DB-BD31-4B8C-83A1-F6EECF244321}">
-                <p14:modId xmlns:p14="http://schemas.microsoft.com/office/powerpoint/2010/main" val="1938819934"/>
+                <p14:modId xmlns:p14="http://schemas.microsoft.com/office/powerpoint/2010/main" val="1698106161"/>
               </p:ext>
             </p:extLst>
           </p:nvPr>
@@ -19706,7 +19706,7 @@
                       <a:pPr algn="ctr"/>
                       <a:r>
                         <a:rPr lang="en-CA" sz="2000" dirty="0"/>
-                        <a:t>Employees with predicted high work/life balance and are actually supported</a:t>
+                        <a:t>Employees with predicted low work/life balance and actually need support </a:t>
                       </a:r>
                     </a:p>
                   </a:txBody>
@@ -19752,11 +19752,31 @@
                     <a:bodyPr/>
                     <a:lstStyle/>
                     <a:p>
-                      <a:pPr algn="ctr"/>
+                      <a:pPr marL="0" marR="0" lvl="0" indent="0" algn="ctr" defTabSz="914400" rtl="0" eaLnBrk="1" fontAlgn="auto" latinLnBrk="0" hangingPunct="1">
+                        <a:lnSpc>
+                          <a:spcPct val="100000"/>
+                        </a:lnSpc>
+                        <a:spcBef>
+                          <a:spcPts val="0"/>
+                        </a:spcBef>
+                        <a:spcAft>
+                          <a:spcPts val="0"/>
+                        </a:spcAft>
+                        <a:buClrTx/>
+                        <a:buSzTx/>
+                        <a:buFontTx/>
+                        <a:buNone/>
+                        <a:tabLst/>
+                        <a:defRPr/>
+                      </a:pPr>
                       <a:r>
                         <a:rPr lang="en-CA" sz="2000" dirty="0"/>
-                        <a:t>Employees with predicted low work/life balance and actually need support</a:t>
+                        <a:t>Employees with predicted high work/life balance and are actually supported</a:t>
                       </a:r>
+                    </a:p>
+                    <a:p>
+                      <a:pPr algn="ctr"/>
+                      <a:endParaRPr lang="en-CA" sz="2000" dirty="0"/>
                     </a:p>
                   </a:txBody>
                   <a:tcPr anchor="ctr"/>
@@ -19785,7 +19805,7 @@
         </p:nvSpPr>
         <p:spPr>
           <a:xfrm>
-            <a:off x="-7594600" y="-4140200"/>
+            <a:off x="-7542007" y="-4154853"/>
             <a:ext cx="27914600" cy="15824200"/>
           </a:xfrm>
           <a:custGeom>
@@ -19929,13 +19949,13 @@
   <p:clrMapOvr>
     <a:masterClrMapping/>
   </p:clrMapOvr>
-  <mc:AlternateContent xmlns:mc="http://schemas.openxmlformats.org/markup-compatibility/2006">
-    <mc:Choice xmlns:p14="http://schemas.microsoft.com/office/powerpoint/2010/main" Requires="p14">
+  <mc:AlternateContent xmlns:mc="http://schemas.openxmlformats.org/markup-compatibility/2006" xmlns:p14="http://schemas.microsoft.com/office/powerpoint/2010/main">
+    <mc:Choice Requires="p14">
       <p:transition spd="med" p14:dur="700">
         <p:fade/>
       </p:transition>
     </mc:Choice>
-    <mc:Fallback>
+    <mc:Fallback xmlns="">
       <p:transition spd="med">
         <p:fade/>
       </p:transition>
@@ -20264,13 +20284,13 @@
   <p:clrMapOvr>
     <a:masterClrMapping/>
   </p:clrMapOvr>
-  <mc:AlternateContent xmlns:mc="http://schemas.openxmlformats.org/markup-compatibility/2006">
-    <mc:Choice xmlns:p14="http://schemas.microsoft.com/office/powerpoint/2010/main" Requires="p14">
+  <mc:AlternateContent xmlns:mc="http://schemas.openxmlformats.org/markup-compatibility/2006" xmlns:p14="http://schemas.microsoft.com/office/powerpoint/2010/main">
+    <mc:Choice Requires="p14">
       <p:transition spd="med" p14:dur="700">
         <p:fade/>
       </p:transition>
     </mc:Choice>
-    <mc:Fallback>
+    <mc:Fallback xmlns="">
       <p:transition spd="med">
         <p:fade/>
       </p:transition>
@@ -20733,13 +20753,13 @@
   <p:clrMapOvr>
     <a:masterClrMapping/>
   </p:clrMapOvr>
-  <mc:AlternateContent xmlns:mc="http://schemas.openxmlformats.org/markup-compatibility/2006">
-    <mc:Choice xmlns:p14="http://schemas.microsoft.com/office/powerpoint/2010/main" Requires="p14">
+  <mc:AlternateContent xmlns:mc="http://schemas.openxmlformats.org/markup-compatibility/2006" xmlns:p14="http://schemas.microsoft.com/office/powerpoint/2010/main">
+    <mc:Choice Requires="p14">
       <p:transition spd="med" p14:dur="700">
         <p:fade/>
       </p:transition>
     </mc:Choice>
-    <mc:Fallback>
+    <mc:Fallback xmlns="">
       <p:transition spd="med">
         <p:fade/>
       </p:transition>
@@ -21138,13 +21158,13 @@
   <p:clrMapOvr>
     <a:masterClrMapping/>
   </p:clrMapOvr>
-  <mc:AlternateContent xmlns:mc="http://schemas.openxmlformats.org/markup-compatibility/2006">
-    <mc:Choice xmlns:p14="http://schemas.microsoft.com/office/powerpoint/2010/main" Requires="p14">
+  <mc:AlternateContent xmlns:mc="http://schemas.openxmlformats.org/markup-compatibility/2006" xmlns:p14="http://schemas.microsoft.com/office/powerpoint/2010/main">
+    <mc:Choice Requires="p14">
       <p:transition spd="med" p14:dur="700">
         <p:fade/>
       </p:transition>
     </mc:Choice>
-    <mc:Fallback>
+    <mc:Fallback xmlns="">
       <p:transition spd="med">
         <p:fade/>
       </p:transition>
@@ -21387,13 +21407,13 @@
   <p:clrMapOvr>
     <a:masterClrMapping/>
   </p:clrMapOvr>
-  <mc:AlternateContent xmlns:mc="http://schemas.openxmlformats.org/markup-compatibility/2006">
-    <mc:Choice xmlns:p14="http://schemas.microsoft.com/office/powerpoint/2010/main" Requires="p14">
+  <mc:AlternateContent xmlns:mc="http://schemas.openxmlformats.org/markup-compatibility/2006" xmlns:p14="http://schemas.microsoft.com/office/powerpoint/2010/main">
+    <mc:Choice Requires="p14">
       <p:transition spd="med" p14:dur="700">
         <p:fade/>
       </p:transition>
     </mc:Choice>
-    <mc:Fallback>
+    <mc:Fallback xmlns="">
       <p:transition spd="med">
         <p:fade/>
       </p:transition>
@@ -21536,13 +21556,13 @@
   <p:clrMapOvr>
     <a:masterClrMapping/>
   </p:clrMapOvr>
-  <mc:AlternateContent xmlns:mc="http://schemas.openxmlformats.org/markup-compatibility/2006">
-    <mc:Choice xmlns:p14="http://schemas.microsoft.com/office/powerpoint/2010/main" Requires="p14">
+  <mc:AlternateContent xmlns:mc="http://schemas.openxmlformats.org/markup-compatibility/2006" xmlns:p14="http://schemas.microsoft.com/office/powerpoint/2010/main">
+    <mc:Choice Requires="p14">
       <p:transition spd="med" p14:dur="700">
         <p:fade/>
       </p:transition>
     </mc:Choice>
-    <mc:Fallback>
+    <mc:Fallback xmlns="">
       <p:transition spd="med">
         <p:fade/>
       </p:transition>
@@ -21818,13 +21838,13 @@
   <p:clrMapOvr>
     <a:masterClrMapping/>
   </p:clrMapOvr>
-  <mc:AlternateContent xmlns:mc="http://schemas.openxmlformats.org/markup-compatibility/2006">
-    <mc:Choice xmlns:p14="http://schemas.microsoft.com/office/powerpoint/2010/main" Requires="p14">
+  <mc:AlternateContent xmlns:mc="http://schemas.openxmlformats.org/markup-compatibility/2006" xmlns:p14="http://schemas.microsoft.com/office/powerpoint/2010/main">
+    <mc:Choice Requires="p14">
       <p:transition spd="med" p14:dur="700">
         <p:fade/>
       </p:transition>
     </mc:Choice>
-    <mc:Fallback>
+    <mc:Fallback xmlns="">
       <p:transition spd="med">
         <p:fade/>
       </p:transition>
@@ -22109,13 +22129,13 @@
   <p:clrMapOvr>
     <a:masterClrMapping/>
   </p:clrMapOvr>
-  <mc:AlternateContent xmlns:mc="http://schemas.openxmlformats.org/markup-compatibility/2006">
-    <mc:Choice xmlns:p14="http://schemas.microsoft.com/office/powerpoint/2010/main" Requires="p14">
+  <mc:AlternateContent xmlns:mc="http://schemas.openxmlformats.org/markup-compatibility/2006" xmlns:p14="http://schemas.microsoft.com/office/powerpoint/2010/main">
+    <mc:Choice Requires="p14">
       <p:transition spd="med" p14:dur="700">
         <p:fade/>
       </p:transition>
     </mc:Choice>
-    <mc:Fallback>
+    <mc:Fallback xmlns="">
       <p:transition spd="med">
         <p:fade/>
       </p:transition>
@@ -22414,13 +22434,13 @@
   <p:clrMapOvr>
     <a:masterClrMapping/>
   </p:clrMapOvr>
-  <mc:AlternateContent xmlns:mc="http://schemas.openxmlformats.org/markup-compatibility/2006">
-    <mc:Choice xmlns:p14="http://schemas.microsoft.com/office/powerpoint/2010/main" Requires="p14">
+  <mc:AlternateContent xmlns:mc="http://schemas.openxmlformats.org/markup-compatibility/2006" xmlns:p14="http://schemas.microsoft.com/office/powerpoint/2010/main">
+    <mc:Choice Requires="p14">
       <p:transition spd="med" p14:dur="700">
         <p:fade/>
       </p:transition>
     </mc:Choice>
-    <mc:Fallback>
+    <mc:Fallback xmlns="">
       <p:transition spd="med">
         <p:fade/>
       </p:transition>
@@ -22733,13 +22753,13 @@
   <p:clrMapOvr>
     <a:masterClrMapping/>
   </p:clrMapOvr>
-  <mc:AlternateContent xmlns:mc="http://schemas.openxmlformats.org/markup-compatibility/2006">
-    <mc:Choice xmlns:p14="http://schemas.microsoft.com/office/powerpoint/2010/main" Requires="p14">
+  <mc:AlternateContent xmlns:mc="http://schemas.openxmlformats.org/markup-compatibility/2006" xmlns:p14="http://schemas.microsoft.com/office/powerpoint/2010/main">
+    <mc:Choice Requires="p14">
       <p:transition spd="med" p14:dur="700">
         <p:fade/>
       </p:transition>
     </mc:Choice>
-    <mc:Fallback>
+    <mc:Fallback xmlns="">
       <p:transition spd="med">
         <p:fade/>
       </p:transition>
@@ -22982,13 +23002,13 @@
   <p:clrMapOvr>
     <a:masterClrMapping/>
   </p:clrMapOvr>
-  <mc:AlternateContent xmlns:mc="http://schemas.openxmlformats.org/markup-compatibility/2006">
-    <mc:Choice xmlns:p14="http://schemas.microsoft.com/office/powerpoint/2010/main" Requires="p14">
+  <mc:AlternateContent xmlns:mc="http://schemas.openxmlformats.org/markup-compatibility/2006" xmlns:p14="http://schemas.microsoft.com/office/powerpoint/2010/main">
+    <mc:Choice Requires="p14">
       <p:transition spd="med" p14:dur="700">
         <p:fade/>
       </p:transition>
     </mc:Choice>
-    <mc:Fallback>
+    <mc:Fallback xmlns="">
       <p:transition spd="med">
         <p:fade/>
       </p:transition>
@@ -23146,13 +23166,13 @@
   <p:clrMapOvr>
     <a:masterClrMapping/>
   </p:clrMapOvr>
-  <mc:AlternateContent xmlns:mc="http://schemas.openxmlformats.org/markup-compatibility/2006">
-    <mc:Choice xmlns:p14="http://schemas.microsoft.com/office/powerpoint/2010/main" Requires="p14">
+  <mc:AlternateContent xmlns:mc="http://schemas.openxmlformats.org/markup-compatibility/2006" xmlns:p14="http://schemas.microsoft.com/office/powerpoint/2010/main">
+    <mc:Choice Requires="p14">
       <p:transition spd="med" p14:dur="700">
         <p:fade/>
       </p:transition>
     </mc:Choice>
-    <mc:Fallback>
+    <mc:Fallback xmlns="">
       <p:transition spd="med">
         <p:fade/>
       </p:transition>
@@ -23458,13 +23478,13 @@
   <p:clrMapOvr>
     <a:masterClrMapping/>
   </p:clrMapOvr>
-  <mc:AlternateContent xmlns:mc="http://schemas.openxmlformats.org/markup-compatibility/2006">
-    <mc:Choice xmlns:p14="http://schemas.microsoft.com/office/powerpoint/2010/main" Requires="p14">
+  <mc:AlternateContent xmlns:mc="http://schemas.openxmlformats.org/markup-compatibility/2006" xmlns:p14="http://schemas.microsoft.com/office/powerpoint/2010/main">
+    <mc:Choice Requires="p14">
       <p:transition spd="med" p14:dur="700">
         <p:fade/>
       </p:transition>
     </mc:Choice>
-    <mc:Fallback>
+    <mc:Fallback xmlns="">
       <p:transition spd="med">
         <p:fade/>
       </p:transition>
@@ -23695,13 +23715,13 @@
   <p:clrMapOvr>
     <a:masterClrMapping/>
   </p:clrMapOvr>
-  <mc:AlternateContent xmlns:mc="http://schemas.openxmlformats.org/markup-compatibility/2006">
-    <mc:Choice xmlns:p14="http://schemas.microsoft.com/office/powerpoint/2010/main" Requires="p14">
+  <mc:AlternateContent xmlns:mc="http://schemas.openxmlformats.org/markup-compatibility/2006" xmlns:p14="http://schemas.microsoft.com/office/powerpoint/2010/main">
+    <mc:Choice Requires="p14">
       <p:transition spd="med" p14:dur="700">
         <p:fade/>
       </p:transition>
     </mc:Choice>
-    <mc:Fallback>
+    <mc:Fallback xmlns="">
       <p:transition spd="med">
         <p:fade/>
       </p:transition>
@@ -24713,20 +24733,20 @@
 </file>
 
 <file path=customXml/item2.xml><?xml version="1.0" encoding="utf-8"?>
-<p:properties xmlns:p="http://schemas.microsoft.com/office/2006/metadata/properties" xmlns:xsi="http://www.w3.org/2001/XMLSchema-instance" xmlns:pc="http://schemas.microsoft.com/office/infopath/2007/PartnerControls">
-  <documentManagement>
-    <MediaServiceKeyPoints xmlns="71af3243-3dd4-4a8d-8c0d-dd76da1f02a5" xsi:nil="true"/>
-  </documentManagement>
-</p:properties>
-</file>
-
-<file path=customXml/item3.xml><?xml version="1.0" encoding="utf-8"?>
 <?mso-contentType ?>
 <FormTemplates xmlns="http://schemas.microsoft.com/sharepoint/v3/contenttype/forms">
   <Display>DocumentLibraryForm</Display>
   <Edit>DocumentLibraryForm</Edit>
   <New>DocumentLibraryForm</New>
 </FormTemplates>
+</file>
+
+<file path=customXml/item3.xml><?xml version="1.0" encoding="utf-8"?>
+<p:properties xmlns:p="http://schemas.microsoft.com/office/2006/metadata/properties" xmlns:xsi="http://www.w3.org/2001/XMLSchema-instance" xmlns:pc="http://schemas.microsoft.com/office/infopath/2007/PartnerControls">
+  <documentManagement>
+    <MediaServiceKeyPoints xmlns="71af3243-3dd4-4a8d-8c0d-dd76da1f02a5" xsi:nil="true"/>
+  </documentManagement>
+</p:properties>
 </file>
 
 <file path=customXml/itemProps1.xml><?xml version="1.0" encoding="utf-8"?>
@@ -24749,6 +24769,14 @@
 </file>
 
 <file path=customXml/itemProps2.xml><?xml version="1.0" encoding="utf-8"?>
+<ds:datastoreItem xmlns:ds="http://schemas.openxmlformats.org/officeDocument/2006/customXml" ds:itemID="{B0C07E3D-60A7-4F4E-8208-D9CCD01982CB}">
+  <ds:schemaRefs>
+    <ds:schemaRef ds:uri="http://schemas.microsoft.com/sharepoint/v3/contenttype/forms"/>
+  </ds:schemaRefs>
+</ds:datastoreItem>
+</file>
+
+<file path=customXml/itemProps3.xml><?xml version="1.0" encoding="utf-8"?>
 <ds:datastoreItem xmlns:ds="http://schemas.openxmlformats.org/officeDocument/2006/customXml" ds:itemID="{CEA9B47F-3DD8-4645-81DC-B88780643C07}">
   <ds:schemaRefs>
     <ds:schemaRef ds:uri="71af3243-3dd4-4a8d-8c0d-dd76da1f02a5"/>
@@ -24763,12 +24791,4 @@
     <ds:schemaRef ds:uri="16c05727-aa75-4e4a-9b5f-8a80a1165891"/>
   </ds:schemaRefs>
 </ds:datastoreItem>
-</file>
-
-<file path=customXml/itemProps3.xml><?xml version="1.0" encoding="utf-8"?>
-<ds:datastoreItem xmlns:ds="http://schemas.openxmlformats.org/officeDocument/2006/customXml" ds:itemID="{B0C07E3D-60A7-4F4E-8208-D9CCD01982CB}">
-  <ds:schemaRefs>
-    <ds:schemaRef ds:uri="http://schemas.microsoft.com/sharepoint/v3/contenttype/forms"/>
-  </ds:schemaRefs>
-</ds:datastoreItem>
 </file>
--- a/slide_deck/final-project-presentation.pptx
+++ b/slide_deck/final-project-presentation.pptx
@@ -165,50 +165,6 @@
 </p188:authorLst>
 </file>
 
-<file path=ppt/comments/modernComment_113_AE91FABE.xml><?xml version="1.0" encoding="utf-8"?>
-<p188:cmLst xmlns:a="http://schemas.openxmlformats.org/drawingml/2006/main" xmlns:r="http://schemas.openxmlformats.org/officeDocument/2006/relationships" xmlns:p188="http://schemas.microsoft.com/office/powerpoint/2018/8/main">
-  <p188:cm id="{1994CA6C-7666-4FE7-B70C-DD5EA520ECF4}" authorId="{AEF22272-44DD-59FD-4D31-CBFDBE39E736}" created="2023-02-07T04:26:03.867">
-    <ac:deMkLst xmlns:ac="http://schemas.microsoft.com/office/drawing/2013/main/command">
-      <pc:docMk xmlns:pc="http://schemas.microsoft.com/office/powerpoint/2013/main/command"/>
-      <pc:sldMk xmlns:pc="http://schemas.microsoft.com/office/powerpoint/2013/main/command" cId="2928802494" sldId="275"/>
-      <ac:spMk id="7" creationId="{39B0EC6D-03DD-4CEE-9979-34A964DCA45D}"/>
-    </ac:deMkLst>
-    <p188:txBody>
-      <a:bodyPr/>
-      <a:lstStyle/>
-      <a:p>
-        <a:r>
-          <a:rPr lang="en-CA"/>
-          <a:t>@Isobel: Could you please remove the icons below?</a:t>
-        </a:r>
-      </a:p>
-    </p188:txBody>
-  </p188:cm>
-</p188:cmLst>
-</file>
-
-<file path=ppt/comments/modernComment_114_840979C3.xml><?xml version="1.0" encoding="utf-8"?>
-<p188:cmLst xmlns:a="http://schemas.openxmlformats.org/drawingml/2006/main" xmlns:r="http://schemas.openxmlformats.org/officeDocument/2006/relationships" xmlns:p188="http://schemas.microsoft.com/office/powerpoint/2018/8/main">
-  <p188:cm id="{63A3422D-5CF1-4A33-A0DB-B3CE0E90EA8B}" authorId="{AEF22272-44DD-59FD-4D31-CBFDBE39E736}" created="2023-02-07T04:24:43.868">
-    <ac:deMkLst xmlns:ac="http://schemas.microsoft.com/office/drawing/2013/main/command">
-      <pc:docMk xmlns:pc="http://schemas.microsoft.com/office/powerpoint/2013/main/command"/>
-      <pc:sldMk xmlns:pc="http://schemas.microsoft.com/office/powerpoint/2013/main/command" cId="2215213507" sldId="276"/>
-      <ac:spMk id="3" creationId="{56960426-AAA6-4126-93AF-30F7DEE010A4}"/>
-    </ac:deMkLst>
-    <p188:txBody>
-      <a:bodyPr/>
-      <a:lstStyle/>
-      <a:p>
-        <a:r>
-          <a:rPr lang="en-CA"/>
-          <a:t>Please review my notes below. I'm still a bit wobbly on this.</a:t>
-        </a:r>
-      </a:p>
-    </p188:txBody>
-  </p188:cm>
-</p188:cmLst>
-</file>
-
 <file path=ppt/handoutMasters/handoutMaster1.xml><?xml version="1.0" encoding="utf-8"?>
 <p:handoutMaster xmlns:a="http://schemas.openxmlformats.org/drawingml/2006/main" xmlns:r="http://schemas.openxmlformats.org/officeDocument/2006/relationships" xmlns:p="http://schemas.openxmlformats.org/presentationml/2006/main">
   <p:cSld>
@@ -303,7 +259,7 @@
           <a:p>
             <a:fld id="{97AB3EA8-A58D-4C92-A3AB-D271CCC294C7}" type="datetimeFigureOut">
               <a:rPr lang="en-US" smtClean="0"/>
-              <a:t>2/7/2023</a:t>
+              <a:t>2/8/2023</a:t>
             </a:fld>
             <a:endParaRPr lang="en-US" dirty="0"/>
           </a:p>
@@ -480,7 +436,7 @@
           <a:p>
             <a:fld id="{0AEFB4FA-E877-413E-B608-88789D806C57}" type="datetimeFigureOut">
               <a:rPr lang="en-US" noProof="0" smtClean="0"/>
-              <a:t>2/7/2023</a:t>
+              <a:t>2/8/2023</a:t>
             </a:fld>
             <a:endParaRPr lang="en-US" noProof="0" dirty="0"/>
           </a:p>
@@ -989,7 +945,7 @@
           <a:p>
             <a:r>
               <a:rPr lang="en-CA" dirty="0"/>
-              <a:t>There were many features, but from a cursory glance, </a:t>
+              <a:t>There were many features in the survey and many of them were high or near perfect with high work/life balance. However, </a:t>
             </a:r>
             <a:r>
               <a:rPr lang="en-CA" dirty="0" err="1"/>
@@ -997,7 +953,7 @@
             </a:r>
             <a:r>
               <a:rPr lang="en-CA" dirty="0"/>
-              <a:t> and Flow seemed to be very closely related to the Work/Life balance score. In the survey, we define Flow as the amount of hours you experience focusing on what you’re supposed to be doing. </a:t>
+              <a:t> and Flow stood out because these still had lower means. We thought this would be a good place for HR to start providing support. The survey defined Flow as the amount of hours you experience focusing on what you’re supposed to be doing. </a:t>
             </a:r>
             <a:r>
               <a:rPr lang="en-CA" dirty="0" err="1"/>
@@ -1112,11 +1068,8 @@
           <a:p>
             <a:r>
               <a:rPr lang="en-US" dirty="0"/>
-              <a:t>Going back to our problem statement, the hypothesis is that a high work/life balance score means you are happier and less likely to leave your current employment. So those who score lower, are assumed to need some type of support. We wanted to deduce which features had the strongest influence on the work/life balance score to reduce the survey to its minimum inputs. From there, the machine learning model should be able to predict which employees may need more support. </a:t>
+              <a:t>Going back to our problem statement, the hypothesis is that a high work/life balance score means you are happier and less likely to leave your current employment. whereas those who score lower, are assumed to need some type of support. These are the folks we want our machine learning model to identify.</a:t>
             </a:r>
-          </a:p>
-          <a:p>
-            <a:endParaRPr lang="en-US" dirty="0"/>
           </a:p>
           <a:p>
             <a:endParaRPr lang="en-US" dirty="0"/>
@@ -1222,7 +1175,7 @@
             </a:pPr>
             <a:r>
               <a:rPr lang="en-US" dirty="0"/>
-              <a:t>If we look at the confusion matrix, we wanted to maximize the precision of our model in order to catch folks that may have a predicted high work/life balance but, actually do need more support. </a:t>
+              <a:t>If we look at the confusion matrix, we want to catch folks that may have a predicted low work/life balance and actually need the support. </a:t>
             </a:r>
             <a:r>
               <a:rPr lang="en-US" b="0" dirty="0">
@@ -1232,7 +1185,7 @@
                 <a:effectLst/>
                 <a:latin typeface="Consolas" panose="020B0609020204030204" pitchFamily="49" charset="0"/>
               </a:rPr>
-              <a:t>This would ensure that all employees who may require any support can receive the help they need.</a:t>
+              <a:t>Because this is an improvement tool and we don’t want to overuse the resources available to us, we decided to maximize our precision. </a:t>
             </a:r>
           </a:p>
           <a:p>
@@ -1664,7 +1617,7 @@
             </a:r>
             <a:r>
               <a:rPr lang="en-US" dirty="0"/>
-              <a:t> and Flow as inputs</a:t>
+              <a:t> and Flow as inputs. Although it had a lower precision with these limited inputs, it performed quite well with the full features.</a:t>
             </a:r>
           </a:p>
           <a:p>
@@ -1673,7 +1626,17 @@
           <a:p>
             <a:r>
               <a:rPr lang="en-US" dirty="0"/>
-              <a:t>If there was more time, </a:t>
+              <a:t>With more time, </a:t>
+            </a:r>
+          </a:p>
+          <a:p>
+            <a:pPr marL="171450" indent="-171450">
+              <a:buFont typeface="Arial" panose="020B0604020202020204" pitchFamily="34" charset="0"/>
+              <a:buChar char="•"/>
+            </a:pPr>
+            <a:r>
+              <a:rPr lang="en-US" dirty="0"/>
+              <a:t>we would have been able to run additional tests to confirm the model.</a:t>
             </a:r>
           </a:p>
           <a:p>
@@ -2242,7 +2205,7 @@
                 <a:effectLst/>
                 <a:latin typeface="Consolas" panose="020B0609020204030204" pitchFamily="49" charset="0"/>
               </a:rPr>
-              <a:t>We are interested in exploring the influence of the various social, mental, work, and spiritual factors on work/life balance. We wanted to create a tool that could potentially help a company's Human Resources efforts, to help strengthen employee wellbeing, staff retention, and improve company culture, as a whole. </a:t>
+              <a:t>We are interested in exploring the influence of the various social, mental, work, and spiritual factors on work/life balance. We wanted to create a tool that could potentially help a company's Human Resources efforts, to strengthen employee wellbeing, staff retention, and improve company culture, as a whole. </a:t>
             </a:r>
             <a:endParaRPr lang="en-US" dirty="0"/>
           </a:p>
@@ -2641,7 +2604,7 @@
             </a:pPr>
             <a:r>
               <a:rPr lang="en-US" dirty="0"/>
-              <a:t>For the analysis, we dropped gender, timestamp, and age as these were non-beneficial to the purpose of our analysis. Other than this, the dataset was relatively clean, there wasn’t much manipulation performed. Some incorrect data was removed here and there, but nothing major. Once cleaned, we were left with 15971 responses.</a:t>
+              <a:t>We eventually dropped gender, timestamp, and age as these were non-beneficial to the purpose of our analysis. Other than this, the dataset was relatively clean, there wasn’t much manipulation performed. Some incorrect data was removed here and there, but nothing major. Once cleaned, we were left with 15971 responses.</a:t>
             </a:r>
           </a:p>
           <a:p>
@@ -18305,7 +18268,7 @@
           <a:p>
             <a:fld id="{D951F27F-98F9-A147-8986-34441C7B752D}" type="datetime1">
               <a:rPr lang="en-US" noProof="0" smtClean="0"/>
-              <a:t>2/7/2023</a:t>
+              <a:t>2/8/2023</a:t>
             </a:fld>
             <a:endParaRPr lang="en-US" noProof="0" dirty="0"/>
           </a:p>
@@ -19351,12 +19314,8 @@
           <a:lstStyle/>
           <a:p>
             <a:r>
-              <a:rPr lang="en-US" dirty="0" err="1"/>
-              <a:t>Live_Vision</a:t>
-            </a:r>
-            <a:r>
               <a:rPr lang="en-US" dirty="0"/>
-              <a:t> and Flow have a strong influence on the Work/Life balance score and will enable us to predict which employees need support </a:t>
+              <a:t>Identifying problem areas</a:t>
             </a:r>
           </a:p>
         </p:txBody>
@@ -19378,7 +19337,7 @@
           </p:nvPr>
         </p:nvPicPr>
         <p:blipFill>
-          <a:blip r:embed="rId4" cstate="print">
+          <a:blip r:embed="rId3" cstate="print">
             <a:extLst>
               <a:ext uri="{28A0092B-C50C-407E-A947-70E740481C1C}">
                 <a14:useLocalDpi xmlns:a14="http://schemas.microsoft.com/office/drawing/2010/main"/>
@@ -19534,11 +19493,6 @@
       </p:transition>
     </mc:Fallback>
   </mc:AlternateContent>
-  <p:extLst>
-    <p:ext uri="{6950BFC3-D8DA-4A85-94F7-54DA5524770B}">
-      <p188:commentRel xmlns:p188="http://schemas.microsoft.com/office/powerpoint/2018/8/main" r:id="rId3"/>
-    </p:ext>
-  </p:extLst>
 </p:sld>
 </file>
 
@@ -19666,7 +19620,7 @@
           <p:nvPr>
             <p:extLst>
               <p:ext uri="{D42A27DB-BD31-4B8C-83A1-F6EECF244321}">
-                <p14:modId xmlns:p14="http://schemas.microsoft.com/office/powerpoint/2010/main" val="1698106161"/>
+                <p14:modId xmlns:p14="http://schemas.microsoft.com/office/powerpoint/2010/main" val="1654622134"/>
               </p:ext>
             </p:extLst>
           </p:nvPr>
@@ -19703,10 +19657,26 @@
                     <a:bodyPr/>
                     <a:lstStyle/>
                     <a:p>
-                      <a:pPr algn="ctr"/>
+                      <a:pPr marL="0" marR="0" lvl="0" indent="0" algn="ctr" defTabSz="914400" rtl="0" eaLnBrk="1" fontAlgn="auto" latinLnBrk="0" hangingPunct="1">
+                        <a:lnSpc>
+                          <a:spcPct val="100000"/>
+                        </a:lnSpc>
+                        <a:spcBef>
+                          <a:spcPts val="0"/>
+                        </a:spcBef>
+                        <a:spcAft>
+                          <a:spcPts val="0"/>
+                        </a:spcAft>
+                        <a:buClrTx/>
+                        <a:buSzTx/>
+                        <a:buFontTx/>
+                        <a:buNone/>
+                        <a:tabLst/>
+                        <a:defRPr/>
+                      </a:pPr>
                       <a:r>
                         <a:rPr lang="en-CA" sz="2000" dirty="0"/>
-                        <a:t>Employees with predicted low work/life balance and actually need support </a:t>
+                        <a:t>Employees with predicted high work/life balance and are actually supported</a:t>
                       </a:r>
                     </a:p>
                   </a:txBody>
@@ -19771,12 +19741,8 @@
                       </a:pPr>
                       <a:r>
                         <a:rPr lang="en-CA" sz="2000" dirty="0"/>
-                        <a:t>Employees with predicted high work/life balance and are actually supported</a:t>
+                        <a:t>Employees with predicted low work/life balance and actually need support </a:t>
                       </a:r>
-                    </a:p>
-                    <a:p>
-                      <a:pPr algn="ctr"/>
-                      <a:endParaRPr lang="en-CA" sz="2000" dirty="0"/>
                     </a:p>
                   </a:txBody>
                   <a:tcPr anchor="ctr"/>
@@ -19793,10 +19759,10 @@
       </p:graphicFrame>
       <p:sp>
         <p:nvSpPr>
-          <p:cNvPr id="8" name="Freeform: Shape 7">
+          <p:cNvPr id="15" name="Freeform: Shape 14">
             <a:extLst>
               <a:ext uri="{FF2B5EF4-FFF2-40B4-BE49-F238E27FC236}">
-                <a16:creationId xmlns:a16="http://schemas.microsoft.com/office/drawing/2014/main" id="{BAF8B54D-CCF9-0780-468A-FF88DF98D207}"/>
+                <a16:creationId xmlns:a16="http://schemas.microsoft.com/office/drawing/2014/main" id="{9184A20F-B20B-B9C9-6C97-9E409FB1FCE9}"/>
               </a:ext>
             </a:extLst>
           </p:cNvPr>
@@ -19805,30 +19771,30 @@
         </p:nvSpPr>
         <p:spPr>
           <a:xfrm>
-            <a:off x="-7542007" y="-4154853"/>
-            <a:ext cx="27914600" cy="15824200"/>
+            <a:off x="-11338560" y="-5120638"/>
+            <a:ext cx="35966400" cy="17221199"/>
           </a:xfrm>
           <a:custGeom>
             <a:avLst/>
             <a:gdLst>
-              <a:gd name="connsiteX0" fmla="*/ 10769600 w 27914600"/>
-              <a:gd name="connsiteY0" fmla="*/ 6038850 h 15824200"/>
-              <a:gd name="connsiteX1" fmla="*/ 7594600 w 27914600"/>
-              <a:gd name="connsiteY1" fmla="*/ 7569200 h 15824200"/>
-              <a:gd name="connsiteX2" fmla="*/ 10769600 w 27914600"/>
-              <a:gd name="connsiteY2" fmla="*/ 9099550 h 15824200"/>
-              <a:gd name="connsiteX3" fmla="*/ 13944601 w 27914600"/>
-              <a:gd name="connsiteY3" fmla="*/ 7569200 h 15824200"/>
-              <a:gd name="connsiteX4" fmla="*/ 10769600 w 27914600"/>
-              <a:gd name="connsiteY4" fmla="*/ 6038850 h 15824200"/>
-              <a:gd name="connsiteX5" fmla="*/ 0 w 27914600"/>
-              <a:gd name="connsiteY5" fmla="*/ 0 h 15824200"/>
-              <a:gd name="connsiteX6" fmla="*/ 27914600 w 27914600"/>
-              <a:gd name="connsiteY6" fmla="*/ 0 h 15824200"/>
-              <a:gd name="connsiteX7" fmla="*/ 27914600 w 27914600"/>
-              <a:gd name="connsiteY7" fmla="*/ 15824200 h 15824200"/>
-              <a:gd name="connsiteX8" fmla="*/ 0 w 27914600"/>
-              <a:gd name="connsiteY8" fmla="*/ 15824200 h 15824200"/>
+              <a:gd name="connsiteX0" fmla="*/ 20215638 w 35966400"/>
+              <a:gd name="connsiteY0" fmla="*/ 8305799 h 17221199"/>
+              <a:gd name="connsiteX1" fmla="*/ 17167639 w 35966400"/>
+              <a:gd name="connsiteY1" fmla="*/ 9121139 h 17221199"/>
+              <a:gd name="connsiteX2" fmla="*/ 20215638 w 35966400"/>
+              <a:gd name="connsiteY2" fmla="*/ 9936479 h 17221199"/>
+              <a:gd name="connsiteX3" fmla="*/ 23263638 w 35966400"/>
+              <a:gd name="connsiteY3" fmla="*/ 9121139 h 17221199"/>
+              <a:gd name="connsiteX4" fmla="*/ 20215638 w 35966400"/>
+              <a:gd name="connsiteY4" fmla="*/ 8305799 h 17221199"/>
+              <a:gd name="connsiteX5" fmla="*/ 0 w 35966400"/>
+              <a:gd name="connsiteY5" fmla="*/ 0 h 17221199"/>
+              <a:gd name="connsiteX6" fmla="*/ 35966400 w 35966400"/>
+              <a:gd name="connsiteY6" fmla="*/ 0 h 17221199"/>
+              <a:gd name="connsiteX7" fmla="*/ 35966400 w 35966400"/>
+              <a:gd name="connsiteY7" fmla="*/ 17221199 h 17221199"/>
+              <a:gd name="connsiteX8" fmla="*/ 0 w 35966400"/>
+              <a:gd name="connsiteY8" fmla="*/ 17221199 h 17221199"/>
             </a:gdLst>
             <a:ahLst/>
             <a:cxnLst>
@@ -19862,42 +19828,42 @@
             </a:cxnLst>
             <a:rect l="l" t="t" r="r" b="b"/>
             <a:pathLst>
-              <a:path w="27914600" h="15824200">
+              <a:path w="35966400" h="17221199">
                 <a:moveTo>
-                  <a:pt x="10769600" y="6038850"/>
+                  <a:pt x="20215638" y="8305799"/>
                 </a:moveTo>
                 <a:cubicBezTo>
-                  <a:pt x="9016097" y="6038850"/>
-                  <a:pt x="7594600" y="6724011"/>
-                  <a:pt x="7594600" y="7569200"/>
+                  <a:pt x="18532274" y="8305799"/>
+                  <a:pt x="17167639" y="8670839"/>
+                  <a:pt x="17167639" y="9121139"/>
                 </a:cubicBezTo>
                 <a:cubicBezTo>
-                  <a:pt x="7594600" y="8414389"/>
-                  <a:pt x="9016097" y="9099550"/>
-                  <a:pt x="10769600" y="9099550"/>
+                  <a:pt x="17167639" y="9571439"/>
+                  <a:pt x="18532274" y="9936479"/>
+                  <a:pt x="20215638" y="9936479"/>
                 </a:cubicBezTo>
                 <a:cubicBezTo>
-                  <a:pt x="12523105" y="9099550"/>
-                  <a:pt x="13944601" y="8414389"/>
-                  <a:pt x="13944601" y="7569200"/>
+                  <a:pt x="21899002" y="9936479"/>
+                  <a:pt x="23263638" y="9571439"/>
+                  <a:pt x="23263638" y="9121139"/>
                 </a:cubicBezTo>
                 <a:cubicBezTo>
-                  <a:pt x="13944601" y="6724011"/>
-                  <a:pt x="12523105" y="6038850"/>
-                  <a:pt x="10769600" y="6038850"/>
+                  <a:pt x="23263638" y="8670839"/>
+                  <a:pt x="21899002" y="8305799"/>
+                  <a:pt x="20215638" y="8305799"/>
                 </a:cubicBezTo>
                 <a:close/>
                 <a:moveTo>
                   <a:pt x="0" y="0"/>
                 </a:moveTo>
                 <a:lnTo>
-                  <a:pt x="27914600" y="0"/>
+                  <a:pt x="35966400" y="0"/>
                 </a:lnTo>
                 <a:lnTo>
-                  <a:pt x="27914600" y="15824200"/>
+                  <a:pt x="35966400" y="17221199"/>
                 </a:lnTo>
                 <a:lnTo>
-                  <a:pt x="0" y="15824200"/>
+                  <a:pt x="0" y="17221199"/>
                 </a:lnTo>
                 <a:close/>
               </a:path>
@@ -19995,7 +19961,7 @@
                                           </p:stCondLst>
                                         </p:cTn>
                                         <p:tgtEl>
-                                          <p:spTgt spid="8"/>
+                                          <p:spTgt spid="15"/>
                                         </p:tgtEl>
                                         <p:attrNameLst>
                                           <p:attrName>style.visibility</p:attrName>
@@ -20009,7 +19975,7 @@
                                       <p:cBhvr>
                                         <p:cTn id="7" dur="500"/>
                                         <p:tgtEl>
-                                          <p:spTgt spid="8"/>
+                                          <p:spTgt spid="15"/>
                                         </p:tgtEl>
                                       </p:cBhvr>
                                     </p:animEffect>
@@ -20044,7 +20010,7 @@
       </p:par>
     </p:tnLst>
     <p:bldLst>
-      <p:bldP spid="8" grpId="0" animBg="1"/>
+      <p:bldP spid="15" grpId="0" animBg="1"/>
     </p:bldLst>
   </p:timing>
 </p:sld>
@@ -21456,7 +21422,7 @@
           </p:nvPr>
         </p:nvPicPr>
         <p:blipFill>
-          <a:blip r:embed="rId4" cstate="print">
+          <a:blip r:embed="rId3" cstate="print">
             <a:extLst>
               <a:ext uri="{28A0092B-C50C-407E-A947-70E740481C1C}">
                 <a14:useLocalDpi xmlns:a14="http://schemas.microsoft.com/office/drawing/2010/main"/>
@@ -21546,6 +21512,58 @@
           </a:p>
         </p:txBody>
       </p:sp>
+      <p:sp>
+        <p:nvSpPr>
+          <p:cNvPr id="2" name="Rectangle 1">
+            <a:extLst>
+              <a:ext uri="{FF2B5EF4-FFF2-40B4-BE49-F238E27FC236}">
+                <a16:creationId xmlns:a16="http://schemas.microsoft.com/office/drawing/2014/main" id="{5AAB56FB-E096-22A6-48D4-075CC252F1D6}"/>
+              </a:ext>
+            </a:extLst>
+          </p:cNvPr>
+          <p:cNvSpPr/>
+          <p:nvPr/>
+        </p:nvSpPr>
+        <p:spPr>
+          <a:xfrm>
+            <a:off x="6469778" y="4412974"/>
+            <a:ext cx="991196" cy="1431235"/>
+          </a:xfrm>
+          <a:prstGeom prst="rect">
+            <a:avLst/>
+          </a:prstGeom>
+          <a:solidFill>
+            <a:schemeClr val="bg1"/>
+          </a:solidFill>
+          <a:ln>
+            <a:noFill/>
+          </a:ln>
+        </p:spPr>
+        <p:style>
+          <a:lnRef idx="2">
+            <a:schemeClr val="accent1">
+              <a:shade val="50000"/>
+            </a:schemeClr>
+          </a:lnRef>
+          <a:fillRef idx="1">
+            <a:schemeClr val="accent1"/>
+          </a:fillRef>
+          <a:effectRef idx="0">
+            <a:schemeClr val="accent1"/>
+          </a:effectRef>
+          <a:fontRef idx="minor">
+            <a:schemeClr val="lt1"/>
+          </a:fontRef>
+        </p:style>
+        <p:txBody>
+          <a:bodyPr rtlCol="0" anchor="ctr"/>
+          <a:lstStyle/>
+          <a:p>
+            <a:pPr algn="ctr"/>
+            <a:endParaRPr lang="en-CA"/>
+          </a:p>
+        </p:txBody>
+      </p:sp>
     </p:spTree>
     <p:extLst>
       <p:ext uri="{BB962C8B-B14F-4D97-AF65-F5344CB8AC3E}">
@@ -21568,11 +21586,6 @@
       </p:transition>
     </mc:Fallback>
   </mc:AlternateContent>
-  <p:extLst>
-    <p:ext uri="{6950BFC3-D8DA-4A85-94F7-54DA5524770B}">
-      <p188:commentRel xmlns:p188="http://schemas.microsoft.com/office/powerpoint/2018/8/main" r:id="rId3"/>
-    </p:ext>
-  </p:extLst>
 </p:sld>
 </file>
 
@@ -22836,7 +22849,7 @@
           <a:p>
             <a:r>
               <a:rPr lang="en-US" dirty="0"/>
-              <a:t>The pandemic has heightened our awareness to the importance of human wellbeing, most notably at work. We were interested in exploring the relationship between work/life balance and various external factors, such as social interactions and physical wellness.</a:t>
+              <a:t>Lifestyle and Wellbeing</a:t>
             </a:r>
           </a:p>
         </p:txBody>
